--- a/PyQT_present.pptx
+++ b/PyQT_present.pptx
@@ -6,6 +6,11 @@
   </p:sldMasterIdLst>
   <p:sldIdLst>
     <p:sldId id="256" r:id="rId2"/>
+    <p:sldId id="257" r:id="rId3"/>
+    <p:sldId id="258" r:id="rId4"/>
+    <p:sldId id="259" r:id="rId5"/>
+    <p:sldId id="260" r:id="rId6"/>
+    <p:sldId id="261" r:id="rId7"/>
   </p:sldIdLst>
   <p:sldSz cx="9144000" cy="6858000" type="screen4x3"/>
   <p:notesSz cx="6858000" cy="9144000"/>
@@ -288,7 +293,7 @@
           <a:p>
             <a:fld id="{B4C71EC6-210F-42DE-9C53-41977AD35B3D}" type="datetimeFigureOut">
               <a:rPr lang="ru-RU" smtClean="0"/>
-              <a:t>02.11.2021</a:t>
+              <a:t>07.11.2021</a:t>
             </a:fld>
             <a:endParaRPr lang="ru-RU"/>
           </a:p>
@@ -453,7 +458,7 @@
           <a:p>
             <a:fld id="{B4C71EC6-210F-42DE-9C53-41977AD35B3D}" type="datetimeFigureOut">
               <a:rPr lang="ru-RU" smtClean="0"/>
-              <a:t>02.11.2021</a:t>
+              <a:t>07.11.2021</a:t>
             </a:fld>
             <a:endParaRPr lang="ru-RU"/>
           </a:p>
@@ -628,7 +633,7 @@
           <a:p>
             <a:fld id="{B4C71EC6-210F-42DE-9C53-41977AD35B3D}" type="datetimeFigureOut">
               <a:rPr lang="ru-RU" smtClean="0"/>
-              <a:t>02.11.2021</a:t>
+              <a:t>07.11.2021</a:t>
             </a:fld>
             <a:endParaRPr lang="ru-RU"/>
           </a:p>
@@ -793,7 +798,7 @@
           <a:p>
             <a:fld id="{B4C71EC6-210F-42DE-9C53-41977AD35B3D}" type="datetimeFigureOut">
               <a:rPr lang="ru-RU" smtClean="0"/>
-              <a:t>02.11.2021</a:t>
+              <a:t>07.11.2021</a:t>
             </a:fld>
             <a:endParaRPr lang="ru-RU"/>
           </a:p>
@@ -1034,7 +1039,7 @@
           <a:p>
             <a:fld id="{B4C71EC6-210F-42DE-9C53-41977AD35B3D}" type="datetimeFigureOut">
               <a:rPr lang="ru-RU" smtClean="0"/>
-              <a:t>02.11.2021</a:t>
+              <a:t>07.11.2021</a:t>
             </a:fld>
             <a:endParaRPr lang="ru-RU"/>
           </a:p>
@@ -1317,7 +1322,7 @@
           <a:p>
             <a:fld id="{B4C71EC6-210F-42DE-9C53-41977AD35B3D}" type="datetimeFigureOut">
               <a:rPr lang="ru-RU" smtClean="0"/>
-              <a:t>02.11.2021</a:t>
+              <a:t>07.11.2021</a:t>
             </a:fld>
             <a:endParaRPr lang="ru-RU"/>
           </a:p>
@@ -1734,7 +1739,7 @@
           <a:p>
             <a:fld id="{B4C71EC6-210F-42DE-9C53-41977AD35B3D}" type="datetimeFigureOut">
               <a:rPr lang="ru-RU" smtClean="0"/>
-              <a:t>02.11.2021</a:t>
+              <a:t>07.11.2021</a:t>
             </a:fld>
             <a:endParaRPr lang="ru-RU"/>
           </a:p>
@@ -1847,7 +1852,7 @@
           <a:p>
             <a:fld id="{B4C71EC6-210F-42DE-9C53-41977AD35B3D}" type="datetimeFigureOut">
               <a:rPr lang="ru-RU" smtClean="0"/>
-              <a:t>02.11.2021</a:t>
+              <a:t>07.11.2021</a:t>
             </a:fld>
             <a:endParaRPr lang="ru-RU"/>
           </a:p>
@@ -1937,7 +1942,7 @@
           <a:p>
             <a:fld id="{B4C71EC6-210F-42DE-9C53-41977AD35B3D}" type="datetimeFigureOut">
               <a:rPr lang="ru-RU" smtClean="0"/>
-              <a:t>02.11.2021</a:t>
+              <a:t>07.11.2021</a:t>
             </a:fld>
             <a:endParaRPr lang="ru-RU"/>
           </a:p>
@@ -2209,7 +2214,7 @@
           <a:p>
             <a:fld id="{B4C71EC6-210F-42DE-9C53-41977AD35B3D}" type="datetimeFigureOut">
               <a:rPr lang="ru-RU" smtClean="0"/>
-              <a:t>02.11.2021</a:t>
+              <a:t>07.11.2021</a:t>
             </a:fld>
             <a:endParaRPr lang="ru-RU"/>
           </a:p>
@@ -2457,7 +2462,7 @@
           <a:p>
             <a:fld id="{B4C71EC6-210F-42DE-9C53-41977AD35B3D}" type="datetimeFigureOut">
               <a:rPr lang="ru-RU" smtClean="0"/>
-              <a:t>02.11.2021</a:t>
+              <a:t>07.11.2021</a:t>
             </a:fld>
             <a:endParaRPr lang="ru-RU"/>
           </a:p>
@@ -2665,7 +2670,7 @@
           <a:p>
             <a:fld id="{B4C71EC6-210F-42DE-9C53-41977AD35B3D}" type="datetimeFigureOut">
               <a:rPr lang="ru-RU" smtClean="0"/>
-              <a:t>02.11.2021</a:t>
+              <a:t>07.11.2021</a:t>
             </a:fld>
             <a:endParaRPr lang="ru-RU"/>
           </a:p>
@@ -3113,6 +3118,919 @@
     <p:extLst>
       <p:ext uri="{BB962C8B-B14F-4D97-AF65-F5344CB8AC3E}">
         <p14:creationId xmlns:p14="http://schemas.microsoft.com/office/powerpoint/2010/main" val="3769059270"/>
+      </p:ext>
+    </p:extLst>
+  </p:cSld>
+  <p:clrMapOvr>
+    <a:masterClrMapping/>
+  </p:clrMapOvr>
+</p:sld>
+</file>
+
+<file path=ppt/slides/slide2.xml><?xml version="1.0" encoding="utf-8"?>
+<p:sld xmlns:a="http://schemas.openxmlformats.org/drawingml/2006/main" xmlns:r="http://schemas.openxmlformats.org/officeDocument/2006/relationships" xmlns:p="http://schemas.openxmlformats.org/presentationml/2006/main">
+  <p:cSld>
+    <p:spTree>
+      <p:nvGrpSpPr>
+        <p:cNvPr id="1" name=""/>
+        <p:cNvGrpSpPr/>
+        <p:nvPr/>
+      </p:nvGrpSpPr>
+      <p:grpSpPr>
+        <a:xfrm>
+          <a:off x="0" y="0"/>
+          <a:ext cx="0" cy="0"/>
+          <a:chOff x="0" y="0"/>
+          <a:chExt cx="0" cy="0"/>
+        </a:xfrm>
+      </p:grpSpPr>
+      <p:sp>
+        <p:nvSpPr>
+          <p:cNvPr id="2" name="Заголовок 1"/>
+          <p:cNvSpPr>
+            <a:spLocks noGrp="1"/>
+          </p:cNvSpPr>
+          <p:nvPr>
+            <p:ph type="title"/>
+          </p:nvPr>
+        </p:nvSpPr>
+        <p:spPr/>
+        <p:txBody>
+          <a:bodyPr/>
+          <a:lstStyle/>
+          <a:p>
+            <a:r>
+              <a:rPr lang="ru-RU" dirty="0" smtClean="0"/>
+              <a:t>Тема проекта</a:t>
+            </a:r>
+            <a:endParaRPr lang="ru-RU" dirty="0"/>
+          </a:p>
+        </p:txBody>
+      </p:sp>
+      <p:sp>
+        <p:nvSpPr>
+          <p:cNvPr id="3" name="Объект 2"/>
+          <p:cNvSpPr>
+            <a:spLocks noGrp="1"/>
+          </p:cNvSpPr>
+          <p:nvPr>
+            <p:ph idx="1"/>
+          </p:nvPr>
+        </p:nvSpPr>
+        <p:spPr>
+          <a:xfrm>
+            <a:off x="457200" y="1600200"/>
+            <a:ext cx="8229600" cy="5141168"/>
+          </a:xfrm>
+        </p:spPr>
+        <p:txBody>
+          <a:bodyPr>
+            <a:normAutofit lnSpcReduction="10000"/>
+          </a:bodyPr>
+          <a:lstStyle/>
+          <a:p>
+            <a:r>
+              <a:rPr lang="ru-RU" dirty="0" smtClean="0"/>
+              <a:t>Давно хотели создать свой </a:t>
+            </a:r>
+            <a:r>
+              <a:rPr lang="ru-RU" dirty="0" err="1" smtClean="0"/>
+              <a:t>мем</a:t>
+            </a:r>
+            <a:r>
+              <a:rPr lang="ru-RU" dirty="0" smtClean="0"/>
+              <a:t>? Тогда вам поможет новый </a:t>
+            </a:r>
+            <a:r>
+              <a:rPr lang="en-US" dirty="0" smtClean="0"/>
+              <a:t>Meme Generator, </a:t>
+            </a:r>
+            <a:r>
+              <a:rPr lang="ru-RU" dirty="0" smtClean="0"/>
+              <a:t>созданный на </a:t>
+            </a:r>
+            <a:r>
+              <a:rPr lang="en-US" dirty="0" err="1" smtClean="0"/>
+              <a:t>PyQT</a:t>
+            </a:r>
+            <a:r>
+              <a:rPr lang="en-US" dirty="0" smtClean="0"/>
+              <a:t> </a:t>
+            </a:r>
+            <a:r>
+              <a:rPr lang="ru-RU" dirty="0" smtClean="0"/>
+              <a:t>с использованием </a:t>
+            </a:r>
+            <a:r>
+              <a:rPr lang="en-US" dirty="0" smtClean="0"/>
+              <a:t>Pillow</a:t>
+            </a:r>
+          </a:p>
+          <a:p>
+            <a:r>
+              <a:rPr lang="ru-RU" dirty="0" smtClean="0"/>
+              <a:t>Вы можете создать свой </a:t>
+            </a:r>
+            <a:r>
+              <a:rPr lang="ru-RU" dirty="0" err="1" smtClean="0"/>
+              <a:t>мем</a:t>
+            </a:r>
+            <a:r>
+              <a:rPr lang="ru-RU" dirty="0" smtClean="0"/>
+              <a:t>, или использовать готовый шаблон и просто заполнить его</a:t>
+            </a:r>
+          </a:p>
+          <a:p>
+            <a:r>
+              <a:rPr lang="ru-RU" dirty="0" smtClean="0"/>
+              <a:t>Сохраните свой </a:t>
+            </a:r>
+            <a:r>
+              <a:rPr lang="ru-RU" dirty="0" err="1" smtClean="0"/>
+              <a:t>мем</a:t>
+            </a:r>
+            <a:r>
+              <a:rPr lang="ru-RU" dirty="0" smtClean="0"/>
+              <a:t> куда угодно в формате </a:t>
+            </a:r>
+            <a:r>
+              <a:rPr lang="en-US" dirty="0" smtClean="0"/>
+              <a:t>.</a:t>
+            </a:r>
+            <a:r>
+              <a:rPr lang="en-US" dirty="0" err="1" smtClean="0"/>
+              <a:t>png</a:t>
+            </a:r>
+            <a:r>
+              <a:rPr lang="en-US" dirty="0" smtClean="0"/>
+              <a:t>, .jpg </a:t>
+            </a:r>
+            <a:r>
+              <a:rPr lang="ru-RU" dirty="0" smtClean="0"/>
+              <a:t>или </a:t>
+            </a:r>
+            <a:r>
+              <a:rPr lang="en-US" dirty="0" smtClean="0"/>
+              <a:t>.jpeg</a:t>
+            </a:r>
+          </a:p>
+          <a:p>
+            <a:r>
+              <a:rPr lang="ru-RU" dirty="0" smtClean="0"/>
+              <a:t>Можете даже скопировать картинку в буфер обмена! </a:t>
+            </a:r>
+            <a:r>
+              <a:rPr lang="en-US" dirty="0" smtClean="0"/>
+              <a:t>(WIP)</a:t>
+            </a:r>
+            <a:endParaRPr lang="ru-RU" dirty="0"/>
+          </a:p>
+        </p:txBody>
+      </p:sp>
+    </p:spTree>
+    <p:extLst>
+      <p:ext uri="{BB962C8B-B14F-4D97-AF65-F5344CB8AC3E}">
+        <p14:creationId xmlns:p14="http://schemas.microsoft.com/office/powerpoint/2010/main" val="3299776890"/>
+      </p:ext>
+    </p:extLst>
+  </p:cSld>
+  <p:clrMapOvr>
+    <a:masterClrMapping/>
+  </p:clrMapOvr>
+</p:sld>
+</file>
+
+<file path=ppt/slides/slide3.xml><?xml version="1.0" encoding="utf-8"?>
+<p:sld xmlns:a="http://schemas.openxmlformats.org/drawingml/2006/main" xmlns:r="http://schemas.openxmlformats.org/officeDocument/2006/relationships" xmlns:p="http://schemas.openxmlformats.org/presentationml/2006/main">
+  <p:cSld>
+    <p:spTree>
+      <p:nvGrpSpPr>
+        <p:cNvPr id="1" name=""/>
+        <p:cNvGrpSpPr/>
+        <p:nvPr/>
+      </p:nvGrpSpPr>
+      <p:grpSpPr>
+        <a:xfrm>
+          <a:off x="0" y="0"/>
+          <a:ext cx="0" cy="0"/>
+          <a:chOff x="0" y="0"/>
+          <a:chExt cx="0" cy="0"/>
+        </a:xfrm>
+      </p:grpSpPr>
+      <p:sp>
+        <p:nvSpPr>
+          <p:cNvPr id="2" name="Заголовок 1"/>
+          <p:cNvSpPr>
+            <a:spLocks noGrp="1"/>
+          </p:cNvSpPr>
+          <p:nvPr>
+            <p:ph type="title"/>
+          </p:nvPr>
+        </p:nvSpPr>
+        <p:spPr/>
+        <p:txBody>
+          <a:bodyPr/>
+          <a:lstStyle/>
+          <a:p>
+            <a:r>
+              <a:rPr lang="ru-RU" dirty="0" smtClean="0"/>
+              <a:t>Интерфейс</a:t>
+            </a:r>
+            <a:endParaRPr lang="ru-RU" dirty="0"/>
+          </a:p>
+        </p:txBody>
+      </p:sp>
+      <p:sp>
+        <p:nvSpPr>
+          <p:cNvPr id="4" name="TextBox 3"/>
+          <p:cNvSpPr txBox="1"/>
+          <p:nvPr/>
+        </p:nvSpPr>
+        <p:spPr>
+          <a:xfrm>
+            <a:off x="4716016" y="1268760"/>
+            <a:ext cx="4392488" cy="5632311"/>
+          </a:xfrm>
+          <a:prstGeom prst="rect">
+            <a:avLst/>
+          </a:prstGeom>
+          <a:noFill/>
+        </p:spPr>
+        <p:txBody>
+          <a:bodyPr wrap="square" rtlCol="0">
+            <a:spAutoFit/>
+          </a:bodyPr>
+          <a:lstStyle/>
+          <a:p>
+            <a:pPr marL="285750" indent="-285750">
+              <a:buFont typeface="Wingdings"/>
+              <a:buChar char="ß"/>
+            </a:pPr>
+            <a:r>
+              <a:rPr lang="ru-RU" dirty="0" smtClean="0">
+                <a:sym typeface="Wingdings" panose="05000000000000000000" pitchFamily="2" charset="2"/>
+              </a:rPr>
+              <a:t>Главное окно программы в</a:t>
+            </a:r>
+            <a:r>
+              <a:rPr lang="ru-RU" dirty="0" smtClean="0"/>
+              <a:t>ыглядит вот так</a:t>
+            </a:r>
+          </a:p>
+          <a:p>
+            <a:r>
+              <a:rPr lang="ru-RU" i="1" u="sng" dirty="0" smtClean="0"/>
+              <a:t>Давайте разберём интерфейс</a:t>
+            </a:r>
+          </a:p>
+          <a:p>
+            <a:pPr marL="285750" indent="-285750">
+              <a:buFont typeface="Arial" panose="020B0604020202020204" pitchFamily="34" charset="0"/>
+              <a:buChar char="•"/>
+            </a:pPr>
+            <a:r>
+              <a:rPr lang="ru-RU" dirty="0" smtClean="0"/>
+              <a:t>Посередине изначально будет виден черный прямоугольник, который будет отображать создаваемый </a:t>
+            </a:r>
+            <a:r>
+              <a:rPr lang="ru-RU" dirty="0" err="1" smtClean="0"/>
+              <a:t>мем</a:t>
+            </a:r>
+            <a:endParaRPr lang="ru-RU" dirty="0" smtClean="0"/>
+          </a:p>
+          <a:p>
+            <a:pPr marL="285750" indent="-285750">
+              <a:buFont typeface="Arial" panose="020B0604020202020204" pitchFamily="34" charset="0"/>
+              <a:buChar char="•"/>
+            </a:pPr>
+            <a:r>
+              <a:rPr lang="ru-RU" dirty="0" smtClean="0"/>
+              <a:t>Поля Текст 1, Текст2, Картинка1, Картинка2 будут служить данными для создания </a:t>
+            </a:r>
+            <a:r>
+              <a:rPr lang="ru-RU" dirty="0" err="1" smtClean="0"/>
+              <a:t>мема</a:t>
+            </a:r>
+            <a:endParaRPr lang="ru-RU" dirty="0" smtClean="0"/>
+          </a:p>
+          <a:p>
+            <a:pPr marL="285750" indent="-285750">
+              <a:buFont typeface="Arial" panose="020B0604020202020204" pitchFamily="34" charset="0"/>
+              <a:buChar char="•"/>
+            </a:pPr>
+            <a:r>
+              <a:rPr lang="ru-RU" dirty="0" smtClean="0"/>
+              <a:t>Кнопка применить пересоздаст </a:t>
+            </a:r>
+            <a:r>
+              <a:rPr lang="ru-RU" dirty="0" err="1" smtClean="0"/>
+              <a:t>мем</a:t>
+            </a:r>
+            <a:r>
+              <a:rPr lang="ru-RU" dirty="0" smtClean="0"/>
+              <a:t> и отобразит изменения</a:t>
+            </a:r>
+          </a:p>
+          <a:p>
+            <a:pPr marL="285750" indent="-285750">
+              <a:buFont typeface="Arial" panose="020B0604020202020204" pitchFamily="34" charset="0"/>
+              <a:buChar char="•"/>
+            </a:pPr>
+            <a:r>
+              <a:rPr lang="ru-RU" dirty="0" smtClean="0"/>
+              <a:t>Кнопка сохранить сохранит ваш </a:t>
+            </a:r>
+            <a:r>
+              <a:rPr lang="ru-RU" dirty="0" err="1" smtClean="0"/>
+              <a:t>мем</a:t>
+            </a:r>
+            <a:r>
+              <a:rPr lang="ru-RU" dirty="0" smtClean="0"/>
+              <a:t>, при условии того, что вы изменили шаблон</a:t>
+            </a:r>
+          </a:p>
+          <a:p>
+            <a:pPr marL="285750" indent="-285750">
+              <a:buFont typeface="Arial" panose="020B0604020202020204" pitchFamily="34" charset="0"/>
+              <a:buChar char="•"/>
+            </a:pPr>
+            <a:r>
+              <a:rPr lang="ru-RU" dirty="0" smtClean="0"/>
+              <a:t>Кнопки вверху отвечают за задний фон приложения (Можете выбрать его на свой вкус!). Если надоест – кнопка </a:t>
+            </a:r>
+            <a:r>
+              <a:rPr lang="en-US" dirty="0" smtClean="0"/>
+              <a:t>‘D’ </a:t>
+            </a:r>
+            <a:r>
+              <a:rPr lang="ru-RU" dirty="0" smtClean="0"/>
+              <a:t>вернет цвет </a:t>
+            </a:r>
+            <a:r>
+              <a:rPr lang="ru-RU" dirty="0" err="1" smtClean="0"/>
+              <a:t>по-умолчанию</a:t>
+            </a:r>
+            <a:endParaRPr lang="ru-RU" dirty="0" smtClean="0"/>
+          </a:p>
+          <a:p>
+            <a:pPr marL="285750" indent="-285750">
+              <a:buFont typeface="Arial" panose="020B0604020202020204" pitchFamily="34" charset="0"/>
+              <a:buChar char="•"/>
+            </a:pPr>
+            <a:r>
+              <a:rPr lang="ru-RU" dirty="0" smtClean="0"/>
+              <a:t>Кнопка выбрать шаблон ведет нас на окно выбора шаблонов</a:t>
+            </a:r>
+          </a:p>
+        </p:txBody>
+      </p:sp>
+      <p:pic>
+        <p:nvPicPr>
+          <p:cNvPr id="1027" name="Picture 3"/>
+          <p:cNvPicPr>
+            <a:picLocks noGrp="1" noChangeAspect="1" noChangeArrowheads="1"/>
+          </p:cNvPicPr>
+          <p:nvPr>
+            <p:ph idx="1"/>
+          </p:nvPr>
+        </p:nvPicPr>
+        <p:blipFill>
+          <a:blip r:embed="rId2" cstate="print">
+            <a:extLst>
+              <a:ext uri="{28A0092B-C50C-407E-A947-70E740481C1C}">
+                <a14:useLocalDpi xmlns:a14="http://schemas.microsoft.com/office/drawing/2010/main" val="0"/>
+              </a:ext>
+            </a:extLst>
+          </a:blip>
+          <a:srcRect/>
+          <a:stretch>
+            <a:fillRect/>
+          </a:stretch>
+        </p:blipFill>
+        <p:spPr bwMode="auto">
+          <a:xfrm>
+            <a:off x="251520" y="1343263"/>
+            <a:ext cx="4464496" cy="3679802"/>
+          </a:xfrm>
+          <a:prstGeom prst="rect">
+            <a:avLst/>
+          </a:prstGeom>
+          <a:noFill/>
+          <a:ln>
+            <a:noFill/>
+          </a:ln>
+          <a:extLst>
+            <a:ext uri="{909E8E84-426E-40DD-AFC4-6F175D3DCCD1}">
+              <a14:hiddenFill xmlns:a14="http://schemas.microsoft.com/office/drawing/2010/main">
+                <a:solidFill>
+                  <a:schemeClr val="accent1"/>
+                </a:solidFill>
+              </a14:hiddenFill>
+            </a:ext>
+            <a:ext uri="{91240B29-F687-4F45-9708-019B960494DF}">
+              <a14:hiddenLine xmlns:a14="http://schemas.microsoft.com/office/drawing/2010/main" w="9525">
+                <a:solidFill>
+                  <a:schemeClr val="tx1"/>
+                </a:solidFill>
+                <a:miter lim="800000"/>
+                <a:headEnd/>
+                <a:tailEnd/>
+              </a14:hiddenLine>
+            </a:ext>
+          </a:extLst>
+        </p:spPr>
+      </p:pic>
+    </p:spTree>
+    <p:extLst>
+      <p:ext uri="{BB962C8B-B14F-4D97-AF65-F5344CB8AC3E}">
+        <p14:creationId xmlns:p14="http://schemas.microsoft.com/office/powerpoint/2010/main" val="2678509757"/>
+      </p:ext>
+    </p:extLst>
+  </p:cSld>
+  <p:clrMapOvr>
+    <a:masterClrMapping/>
+  </p:clrMapOvr>
+</p:sld>
+</file>
+
+<file path=ppt/slides/slide4.xml><?xml version="1.0" encoding="utf-8"?>
+<p:sld xmlns:a="http://schemas.openxmlformats.org/drawingml/2006/main" xmlns:r="http://schemas.openxmlformats.org/officeDocument/2006/relationships" xmlns:p="http://schemas.openxmlformats.org/presentationml/2006/main">
+  <p:cSld>
+    <p:spTree>
+      <p:nvGrpSpPr>
+        <p:cNvPr id="1" name=""/>
+        <p:cNvGrpSpPr/>
+        <p:nvPr/>
+      </p:nvGrpSpPr>
+      <p:grpSpPr>
+        <a:xfrm>
+          <a:off x="0" y="0"/>
+          <a:ext cx="0" cy="0"/>
+          <a:chOff x="0" y="0"/>
+          <a:chExt cx="0" cy="0"/>
+        </a:xfrm>
+      </p:grpSpPr>
+      <p:sp>
+        <p:nvSpPr>
+          <p:cNvPr id="2" name="Заголовок 1"/>
+          <p:cNvSpPr>
+            <a:spLocks noGrp="1"/>
+          </p:cNvSpPr>
+          <p:nvPr>
+            <p:ph type="title"/>
+          </p:nvPr>
+        </p:nvSpPr>
+        <p:spPr/>
+        <p:txBody>
+          <a:bodyPr/>
+          <a:lstStyle/>
+          <a:p>
+            <a:r>
+              <a:rPr lang="ru-RU" dirty="0" smtClean="0"/>
+              <a:t>Выбор шаблона</a:t>
+            </a:r>
+            <a:endParaRPr lang="ru-RU" dirty="0"/>
+          </a:p>
+        </p:txBody>
+      </p:sp>
+      <p:pic>
+        <p:nvPicPr>
+          <p:cNvPr id="2050" name="Picture 2"/>
+          <p:cNvPicPr>
+            <a:picLocks noGrp="1" noChangeAspect="1" noChangeArrowheads="1"/>
+          </p:cNvPicPr>
+          <p:nvPr>
+            <p:ph idx="1"/>
+          </p:nvPr>
+        </p:nvPicPr>
+        <p:blipFill>
+          <a:blip r:embed="rId2">
+            <a:extLst>
+              <a:ext uri="{28A0092B-C50C-407E-A947-70E740481C1C}">
+                <a14:useLocalDpi xmlns:a14="http://schemas.microsoft.com/office/drawing/2010/main" val="0"/>
+              </a:ext>
+            </a:extLst>
+          </a:blip>
+          <a:srcRect/>
+          <a:stretch>
+            <a:fillRect/>
+          </a:stretch>
+        </p:blipFill>
+        <p:spPr bwMode="auto">
+          <a:xfrm>
+            <a:off x="611560" y="1196753"/>
+            <a:ext cx="4367188" cy="3672408"/>
+          </a:xfrm>
+          <a:prstGeom prst="rect">
+            <a:avLst/>
+          </a:prstGeom>
+          <a:noFill/>
+          <a:ln>
+            <a:noFill/>
+          </a:ln>
+          <a:extLst>
+            <a:ext uri="{909E8E84-426E-40DD-AFC4-6F175D3DCCD1}">
+              <a14:hiddenFill xmlns:a14="http://schemas.microsoft.com/office/drawing/2010/main">
+                <a:solidFill>
+                  <a:schemeClr val="accent1"/>
+                </a:solidFill>
+              </a14:hiddenFill>
+            </a:ext>
+            <a:ext uri="{91240B29-F687-4F45-9708-019B960494DF}">
+              <a14:hiddenLine xmlns:a14="http://schemas.microsoft.com/office/drawing/2010/main" w="9525">
+                <a:solidFill>
+                  <a:schemeClr val="tx1"/>
+                </a:solidFill>
+                <a:miter lim="800000"/>
+                <a:headEnd/>
+                <a:tailEnd/>
+              </a14:hiddenLine>
+            </a:ext>
+          </a:extLst>
+        </p:spPr>
+      </p:pic>
+      <p:sp>
+        <p:nvSpPr>
+          <p:cNvPr id="4" name="TextBox 3"/>
+          <p:cNvSpPr txBox="1"/>
+          <p:nvPr/>
+        </p:nvSpPr>
+        <p:spPr>
+          <a:xfrm>
+            <a:off x="4932040" y="1196752"/>
+            <a:ext cx="4139952" cy="5355312"/>
+          </a:xfrm>
+          <a:prstGeom prst="rect">
+            <a:avLst/>
+          </a:prstGeom>
+          <a:noFill/>
+        </p:spPr>
+        <p:txBody>
+          <a:bodyPr wrap="square" rtlCol="0">
+            <a:spAutoFit/>
+          </a:bodyPr>
+          <a:lstStyle/>
+          <a:p>
+            <a:r>
+              <a:rPr lang="ru-RU" dirty="0" smtClean="0"/>
+              <a:t>Разберем окно выбора шаблона. </a:t>
+            </a:r>
+          </a:p>
+          <a:p>
+            <a:pPr marL="285750" indent="-285750">
+              <a:buFont typeface="Arial" panose="020B0604020202020204" pitchFamily="34" charset="0"/>
+              <a:buChar char="•"/>
+            </a:pPr>
+            <a:r>
+              <a:rPr lang="ru-RU" dirty="0" smtClean="0"/>
+              <a:t>В нем вы можете листать существующие шаблоны. </a:t>
+            </a:r>
+          </a:p>
+          <a:p>
+            <a:pPr marL="285750" indent="-285750">
+              <a:buFont typeface="Arial" panose="020B0604020202020204" pitchFamily="34" charset="0"/>
+              <a:buChar char="•"/>
+            </a:pPr>
+            <a:r>
+              <a:rPr lang="ru-RU" dirty="0" smtClean="0"/>
+              <a:t>Есть 2 типа шаблонов: Базовые и Пользовательские. </a:t>
+            </a:r>
+          </a:p>
+          <a:p>
+            <a:pPr marL="285750" indent="-285750">
+              <a:buFont typeface="Arial" panose="020B0604020202020204" pitchFamily="34" charset="0"/>
+              <a:buChar char="•"/>
+            </a:pPr>
+            <a:r>
+              <a:rPr lang="ru-RU" dirty="0" smtClean="0"/>
+              <a:t>Базовые прописаны в самой программе и не могут быть удалены (но вы всё ещё можете их изменить)</a:t>
+            </a:r>
+          </a:p>
+          <a:p>
+            <a:pPr marL="285750" indent="-285750">
+              <a:buFont typeface="Arial" panose="020B0604020202020204" pitchFamily="34" charset="0"/>
+              <a:buChar char="•"/>
+            </a:pPr>
+            <a:r>
+              <a:rPr lang="ru-RU" dirty="0" smtClean="0"/>
+              <a:t>Пользовательские создаются с помощью кнопки создать и небольшого помощника создания шаблонов. Также они могут быть полностью изменены и удалены. Их лимит вы можете прописать в </a:t>
+            </a:r>
+            <a:r>
+              <a:rPr lang="en-US" dirty="0" smtClean="0"/>
+              <a:t>JSON </a:t>
+            </a:r>
+            <a:r>
+              <a:rPr lang="ru-RU" dirty="0" smtClean="0"/>
+              <a:t>файле в папке </a:t>
+            </a:r>
+            <a:r>
+              <a:rPr lang="en-US" dirty="0" smtClean="0"/>
+              <a:t>Data</a:t>
+            </a:r>
+          </a:p>
+          <a:p>
+            <a:pPr marL="285750" indent="-285750">
+              <a:buFont typeface="Arial" panose="020B0604020202020204" pitchFamily="34" charset="0"/>
+              <a:buChar char="•"/>
+            </a:pPr>
+            <a:r>
+              <a:rPr lang="ru-RU" dirty="0" smtClean="0"/>
+              <a:t>Все шаблоны хранятся в виде данных в базе данных формата </a:t>
+            </a:r>
+            <a:r>
+              <a:rPr lang="en-US" dirty="0" err="1" smtClean="0"/>
+              <a:t>sqlite</a:t>
+            </a:r>
+            <a:r>
+              <a:rPr lang="en-US" dirty="0" smtClean="0"/>
+              <a:t> 3</a:t>
+            </a:r>
+          </a:p>
+          <a:p>
+            <a:pPr marL="285750" indent="-285750">
+              <a:buFont typeface="Arial" panose="020B0604020202020204" pitchFamily="34" charset="0"/>
+              <a:buChar char="•"/>
+            </a:pPr>
+            <a:r>
+              <a:rPr lang="ru-RU" dirty="0" smtClean="0"/>
+              <a:t>Также есть кнопки управления фоновым цветом</a:t>
+            </a:r>
+            <a:endParaRPr lang="ru-RU" dirty="0"/>
+          </a:p>
+        </p:txBody>
+      </p:sp>
+    </p:spTree>
+    <p:extLst>
+      <p:ext uri="{BB962C8B-B14F-4D97-AF65-F5344CB8AC3E}">
+        <p14:creationId xmlns:p14="http://schemas.microsoft.com/office/powerpoint/2010/main" val="505605037"/>
+      </p:ext>
+    </p:extLst>
+  </p:cSld>
+  <p:clrMapOvr>
+    <a:masterClrMapping/>
+  </p:clrMapOvr>
+</p:sld>
+</file>
+
+<file path=ppt/slides/slide5.xml><?xml version="1.0" encoding="utf-8"?>
+<p:sld xmlns:a="http://schemas.openxmlformats.org/drawingml/2006/main" xmlns:r="http://schemas.openxmlformats.org/officeDocument/2006/relationships" xmlns:p="http://schemas.openxmlformats.org/presentationml/2006/main">
+  <p:cSld>
+    <p:spTree>
+      <p:nvGrpSpPr>
+        <p:cNvPr id="1" name=""/>
+        <p:cNvGrpSpPr/>
+        <p:nvPr/>
+      </p:nvGrpSpPr>
+      <p:grpSpPr>
+        <a:xfrm>
+          <a:off x="0" y="0"/>
+          <a:ext cx="0" cy="0"/>
+          <a:chOff x="0" y="0"/>
+          <a:chExt cx="0" cy="0"/>
+        </a:xfrm>
+      </p:grpSpPr>
+      <p:sp>
+        <p:nvSpPr>
+          <p:cNvPr id="2" name="Заголовок 1"/>
+          <p:cNvSpPr>
+            <a:spLocks noGrp="1"/>
+          </p:cNvSpPr>
+          <p:nvPr>
+            <p:ph type="title"/>
+          </p:nvPr>
+        </p:nvSpPr>
+        <p:spPr/>
+        <p:txBody>
+          <a:bodyPr/>
+          <a:lstStyle/>
+          <a:p>
+            <a:r>
+              <a:rPr lang="ru-RU" dirty="0" smtClean="0"/>
+              <a:t>Сохранение </a:t>
+            </a:r>
+            <a:r>
+              <a:rPr lang="ru-RU" dirty="0" err="1" smtClean="0"/>
+              <a:t>мема</a:t>
+            </a:r>
+            <a:endParaRPr lang="ru-RU" dirty="0"/>
+          </a:p>
+        </p:txBody>
+      </p:sp>
+      <p:sp>
+        <p:nvSpPr>
+          <p:cNvPr id="3" name="Объект 2"/>
+          <p:cNvSpPr>
+            <a:spLocks noGrp="1"/>
+          </p:cNvSpPr>
+          <p:nvPr>
+            <p:ph idx="1"/>
+          </p:nvPr>
+        </p:nvSpPr>
+        <p:spPr>
+          <a:xfrm>
+            <a:off x="251520" y="1600200"/>
+            <a:ext cx="8712968" cy="4997152"/>
+          </a:xfrm>
+        </p:spPr>
+        <p:txBody>
+          <a:bodyPr>
+            <a:normAutofit fontScale="92500" lnSpcReduction="10000"/>
+          </a:bodyPr>
+          <a:lstStyle/>
+          <a:p>
+            <a:pPr marL="0" indent="0">
+              <a:buNone/>
+            </a:pPr>
+            <a:r>
+              <a:rPr lang="ru-RU" dirty="0" smtClean="0"/>
+              <a:t>Вы можете сохранить </a:t>
+            </a:r>
+            <a:r>
+              <a:rPr lang="ru-RU" dirty="0" err="1" smtClean="0"/>
+              <a:t>мем</a:t>
+            </a:r>
+            <a:r>
+              <a:rPr lang="ru-RU" dirty="0" smtClean="0"/>
+              <a:t> 2 путями:</a:t>
+            </a:r>
+          </a:p>
+          <a:p>
+            <a:r>
+              <a:rPr lang="ru-RU" dirty="0" smtClean="0"/>
+              <a:t>Первый и самый очевидный – кнопкой «Сохранить как», выбираете место назначение, имя и формат файла</a:t>
+            </a:r>
+          </a:p>
+          <a:p>
+            <a:r>
+              <a:rPr lang="ru-RU" dirty="0" smtClean="0"/>
+              <a:t>Второй же «ручной» метод: </a:t>
+            </a:r>
+          </a:p>
+          <a:p>
+            <a:pPr marL="0" indent="0">
+              <a:buNone/>
+            </a:pPr>
+            <a:r>
+              <a:rPr lang="ru-RU" dirty="0"/>
+              <a:t> </a:t>
+            </a:r>
+            <a:r>
+              <a:rPr lang="ru-RU" dirty="0" smtClean="0"/>
+              <a:t>   Сгенерированный </a:t>
+            </a:r>
+            <a:r>
+              <a:rPr lang="ru-RU" dirty="0" err="1" smtClean="0"/>
+              <a:t>мем</a:t>
+            </a:r>
+            <a:r>
+              <a:rPr lang="ru-RU" dirty="0" smtClean="0"/>
+              <a:t> находится в папке</a:t>
+            </a:r>
+          </a:p>
+          <a:p>
+            <a:pPr marL="0" indent="0">
+              <a:buNone/>
+            </a:pPr>
+            <a:r>
+              <a:rPr lang="ru-RU" dirty="0" smtClean="0"/>
+              <a:t>    программы «</a:t>
+            </a:r>
+            <a:r>
+              <a:rPr lang="en-US" dirty="0" smtClean="0"/>
+              <a:t>Images/Output/output.png</a:t>
+            </a:r>
+            <a:r>
+              <a:rPr lang="ru-RU" dirty="0" smtClean="0"/>
+              <a:t>»</a:t>
+            </a:r>
+            <a:endParaRPr lang="en-US" dirty="0" smtClean="0"/>
+          </a:p>
+          <a:p>
+            <a:pPr marL="0" indent="0">
+              <a:buNone/>
+            </a:pPr>
+            <a:r>
+              <a:rPr lang="ru-RU" dirty="0"/>
+              <a:t> </a:t>
+            </a:r>
+            <a:r>
+              <a:rPr lang="ru-RU" dirty="0" smtClean="0"/>
+              <a:t>   Но если вы хотите изменить разрешение</a:t>
+            </a:r>
+          </a:p>
+          <a:p>
+            <a:pPr marL="0" indent="0">
+              <a:buNone/>
+            </a:pPr>
+            <a:r>
+              <a:rPr lang="ru-RU" dirty="0" smtClean="0"/>
+              <a:t>    например на </a:t>
+            </a:r>
+            <a:r>
+              <a:rPr lang="en-US" dirty="0" smtClean="0"/>
+              <a:t>jpeg – </a:t>
+            </a:r>
+            <a:r>
+              <a:rPr lang="ru-RU" dirty="0" smtClean="0"/>
+              <a:t>воспользуйтесь первым</a:t>
+            </a:r>
+          </a:p>
+          <a:p>
+            <a:pPr marL="0" indent="0">
+              <a:buNone/>
+            </a:pPr>
+            <a:r>
+              <a:rPr lang="ru-RU" dirty="0"/>
+              <a:t> </a:t>
+            </a:r>
+            <a:r>
+              <a:rPr lang="ru-RU" dirty="0" smtClean="0"/>
+              <a:t>   способом</a:t>
+            </a:r>
+            <a:endParaRPr lang="ru-RU" dirty="0"/>
+          </a:p>
+        </p:txBody>
+      </p:sp>
+    </p:spTree>
+    <p:extLst>
+      <p:ext uri="{BB962C8B-B14F-4D97-AF65-F5344CB8AC3E}">
+        <p14:creationId xmlns:p14="http://schemas.microsoft.com/office/powerpoint/2010/main" val="265864183"/>
+      </p:ext>
+    </p:extLst>
+  </p:cSld>
+  <p:clrMapOvr>
+    <a:masterClrMapping/>
+  </p:clrMapOvr>
+</p:sld>
+</file>
+
+<file path=ppt/slides/slide6.xml><?xml version="1.0" encoding="utf-8"?>
+<p:sld xmlns:a="http://schemas.openxmlformats.org/drawingml/2006/main" xmlns:r="http://schemas.openxmlformats.org/officeDocument/2006/relationships" xmlns:p="http://schemas.openxmlformats.org/presentationml/2006/main">
+  <p:cSld>
+    <p:spTree>
+      <p:nvGrpSpPr>
+        <p:cNvPr id="1" name=""/>
+        <p:cNvGrpSpPr/>
+        <p:nvPr/>
+      </p:nvGrpSpPr>
+      <p:grpSpPr>
+        <a:xfrm>
+          <a:off x="0" y="0"/>
+          <a:ext cx="0" cy="0"/>
+          <a:chOff x="0" y="0"/>
+          <a:chExt cx="0" cy="0"/>
+        </a:xfrm>
+      </p:grpSpPr>
+      <p:sp>
+        <p:nvSpPr>
+          <p:cNvPr id="2" name="Заголовок 1"/>
+          <p:cNvSpPr>
+            <a:spLocks noGrp="1"/>
+          </p:cNvSpPr>
+          <p:nvPr>
+            <p:ph type="ctrTitle"/>
+          </p:nvPr>
+        </p:nvSpPr>
+        <p:spPr/>
+        <p:txBody>
+          <a:bodyPr/>
+          <a:lstStyle/>
+          <a:p>
+            <a:r>
+              <a:rPr lang="ru-RU" dirty="0" smtClean="0"/>
+              <a:t>Спасибо за внимание!</a:t>
+            </a:r>
+            <a:endParaRPr lang="ru-RU" dirty="0"/>
+          </a:p>
+        </p:txBody>
+      </p:sp>
+      <p:sp>
+        <p:nvSpPr>
+          <p:cNvPr id="3" name="Подзаголовок 2"/>
+          <p:cNvSpPr>
+            <a:spLocks noGrp="1"/>
+          </p:cNvSpPr>
+          <p:nvPr>
+            <p:ph type="subTitle" idx="1"/>
+          </p:nvPr>
+        </p:nvSpPr>
+        <p:spPr/>
+        <p:txBody>
+          <a:bodyPr/>
+          <a:lstStyle/>
+          <a:p>
+            <a:r>
+              <a:rPr lang="ru-RU" dirty="0" smtClean="0"/>
+              <a:t>Давайте я покажу вам всё это на практике!</a:t>
+            </a:r>
+            <a:endParaRPr lang="ru-RU" dirty="0"/>
+          </a:p>
+        </p:txBody>
+      </p:sp>
+    </p:spTree>
+    <p:extLst>
+      <p:ext uri="{BB962C8B-B14F-4D97-AF65-F5344CB8AC3E}">
+        <p14:creationId xmlns:p14="http://schemas.microsoft.com/office/powerpoint/2010/main" val="1051757365"/>
       </p:ext>
     </p:extLst>
   </p:cSld>

--- a/PyQT_present.pptx
+++ b/PyQT_present.pptx
@@ -9,8 +9,15 @@
     <p:sldId id="257" r:id="rId3"/>
     <p:sldId id="258" r:id="rId4"/>
     <p:sldId id="259" r:id="rId5"/>
-    <p:sldId id="260" r:id="rId6"/>
-    <p:sldId id="261" r:id="rId7"/>
+    <p:sldId id="262" r:id="rId6"/>
+    <p:sldId id="263" r:id="rId7"/>
+    <p:sldId id="260" r:id="rId8"/>
+    <p:sldId id="264" r:id="rId9"/>
+    <p:sldId id="265" r:id="rId10"/>
+    <p:sldId id="266" r:id="rId11"/>
+    <p:sldId id="267" r:id="rId12"/>
+    <p:sldId id="268" r:id="rId13"/>
+    <p:sldId id="261" r:id="rId14"/>
   </p:sldIdLst>
   <p:sldSz cx="9144000" cy="6858000" type="screen4x3"/>
   <p:notesSz cx="6858000" cy="9144000"/>
@@ -293,7 +300,7 @@
           <a:p>
             <a:fld id="{B4C71EC6-210F-42DE-9C53-41977AD35B3D}" type="datetimeFigureOut">
               <a:rPr lang="ru-RU" smtClean="0"/>
-              <a:t>07.11.2021</a:t>
+              <a:t>13.11.2021</a:t>
             </a:fld>
             <a:endParaRPr lang="ru-RU"/>
           </a:p>
@@ -458,7 +465,7 @@
           <a:p>
             <a:fld id="{B4C71EC6-210F-42DE-9C53-41977AD35B3D}" type="datetimeFigureOut">
               <a:rPr lang="ru-RU" smtClean="0"/>
-              <a:t>07.11.2021</a:t>
+              <a:t>13.11.2021</a:t>
             </a:fld>
             <a:endParaRPr lang="ru-RU"/>
           </a:p>
@@ -633,7 +640,7 @@
           <a:p>
             <a:fld id="{B4C71EC6-210F-42DE-9C53-41977AD35B3D}" type="datetimeFigureOut">
               <a:rPr lang="ru-RU" smtClean="0"/>
-              <a:t>07.11.2021</a:t>
+              <a:t>13.11.2021</a:t>
             </a:fld>
             <a:endParaRPr lang="ru-RU"/>
           </a:p>
@@ -798,7 +805,7 @@
           <a:p>
             <a:fld id="{B4C71EC6-210F-42DE-9C53-41977AD35B3D}" type="datetimeFigureOut">
               <a:rPr lang="ru-RU" smtClean="0"/>
-              <a:t>07.11.2021</a:t>
+              <a:t>13.11.2021</a:t>
             </a:fld>
             <a:endParaRPr lang="ru-RU"/>
           </a:p>
@@ -1039,7 +1046,7 @@
           <a:p>
             <a:fld id="{B4C71EC6-210F-42DE-9C53-41977AD35B3D}" type="datetimeFigureOut">
               <a:rPr lang="ru-RU" smtClean="0"/>
-              <a:t>07.11.2021</a:t>
+              <a:t>13.11.2021</a:t>
             </a:fld>
             <a:endParaRPr lang="ru-RU"/>
           </a:p>
@@ -1322,7 +1329,7 @@
           <a:p>
             <a:fld id="{B4C71EC6-210F-42DE-9C53-41977AD35B3D}" type="datetimeFigureOut">
               <a:rPr lang="ru-RU" smtClean="0"/>
-              <a:t>07.11.2021</a:t>
+              <a:t>13.11.2021</a:t>
             </a:fld>
             <a:endParaRPr lang="ru-RU"/>
           </a:p>
@@ -1739,7 +1746,7 @@
           <a:p>
             <a:fld id="{B4C71EC6-210F-42DE-9C53-41977AD35B3D}" type="datetimeFigureOut">
               <a:rPr lang="ru-RU" smtClean="0"/>
-              <a:t>07.11.2021</a:t>
+              <a:t>13.11.2021</a:t>
             </a:fld>
             <a:endParaRPr lang="ru-RU"/>
           </a:p>
@@ -1852,7 +1859,7 @@
           <a:p>
             <a:fld id="{B4C71EC6-210F-42DE-9C53-41977AD35B3D}" type="datetimeFigureOut">
               <a:rPr lang="ru-RU" smtClean="0"/>
-              <a:t>07.11.2021</a:t>
+              <a:t>13.11.2021</a:t>
             </a:fld>
             <a:endParaRPr lang="ru-RU"/>
           </a:p>
@@ -1942,7 +1949,7 @@
           <a:p>
             <a:fld id="{B4C71EC6-210F-42DE-9C53-41977AD35B3D}" type="datetimeFigureOut">
               <a:rPr lang="ru-RU" smtClean="0"/>
-              <a:t>07.11.2021</a:t>
+              <a:t>13.11.2021</a:t>
             </a:fld>
             <a:endParaRPr lang="ru-RU"/>
           </a:p>
@@ -2214,7 +2221,7 @@
           <a:p>
             <a:fld id="{B4C71EC6-210F-42DE-9C53-41977AD35B3D}" type="datetimeFigureOut">
               <a:rPr lang="ru-RU" smtClean="0"/>
-              <a:t>07.11.2021</a:t>
+              <a:t>13.11.2021</a:t>
             </a:fld>
             <a:endParaRPr lang="ru-RU"/>
           </a:p>
@@ -2462,7 +2469,7 @@
           <a:p>
             <a:fld id="{B4C71EC6-210F-42DE-9C53-41977AD35B3D}" type="datetimeFigureOut">
               <a:rPr lang="ru-RU" smtClean="0"/>
-              <a:t>07.11.2021</a:t>
+              <a:t>13.11.2021</a:t>
             </a:fld>
             <a:endParaRPr lang="ru-RU"/>
           </a:p>
@@ -2670,7 +2677,7 @@
           <a:p>
             <a:fld id="{B4C71EC6-210F-42DE-9C53-41977AD35B3D}" type="datetimeFigureOut">
               <a:rPr lang="ru-RU" smtClean="0"/>
-              <a:t>07.11.2021</a:t>
+              <a:t>13.11.2021</a:t>
             </a:fld>
             <a:endParaRPr lang="ru-RU"/>
           </a:p>
@@ -3124,6 +3131,463 @@
   <p:clrMapOvr>
     <a:masterClrMapping/>
   </p:clrMapOvr>
+  <p:timing>
+    <p:tnLst>
+      <p:par>
+        <p:cTn id="1" dur="indefinite" restart="never" nodeType="tmRoot"/>
+      </p:par>
+    </p:tnLst>
+  </p:timing>
+</p:sld>
+</file>
+
+<file path=ppt/slides/slide10.xml><?xml version="1.0" encoding="utf-8"?>
+<p:sld xmlns:a="http://schemas.openxmlformats.org/drawingml/2006/main" xmlns:r="http://schemas.openxmlformats.org/officeDocument/2006/relationships" xmlns:p="http://schemas.openxmlformats.org/presentationml/2006/main">
+  <p:cSld>
+    <p:spTree>
+      <p:nvGrpSpPr>
+        <p:cNvPr id="1" name=""/>
+        <p:cNvGrpSpPr/>
+        <p:nvPr/>
+      </p:nvGrpSpPr>
+      <p:grpSpPr>
+        <a:xfrm>
+          <a:off x="0" y="0"/>
+          <a:ext cx="0" cy="0"/>
+          <a:chOff x="0" y="0"/>
+          <a:chExt cx="0" cy="0"/>
+        </a:xfrm>
+      </p:grpSpPr>
+      <p:pic>
+        <p:nvPicPr>
+          <p:cNvPr id="3074" name="Picture 2"/>
+          <p:cNvPicPr>
+            <a:picLocks noChangeAspect="1" noChangeArrowheads="1"/>
+          </p:cNvPicPr>
+          <p:nvPr/>
+        </p:nvPicPr>
+        <p:blipFill>
+          <a:blip r:embed="rId2">
+            <a:extLst>
+              <a:ext uri="{28A0092B-C50C-407E-A947-70E740481C1C}">
+                <a14:useLocalDpi xmlns:a14="http://schemas.microsoft.com/office/drawing/2010/main" val="0"/>
+              </a:ext>
+            </a:extLst>
+          </a:blip>
+          <a:srcRect/>
+          <a:stretch>
+            <a:fillRect/>
+          </a:stretch>
+        </p:blipFill>
+        <p:spPr bwMode="auto">
+          <a:xfrm>
+            <a:off x="323528" y="260648"/>
+            <a:ext cx="5256584" cy="5421050"/>
+          </a:xfrm>
+          <a:prstGeom prst="rect">
+            <a:avLst/>
+          </a:prstGeom>
+          <a:noFill/>
+          <a:ln>
+            <a:noFill/>
+          </a:ln>
+          <a:extLst>
+            <a:ext uri="{909E8E84-426E-40DD-AFC4-6F175D3DCCD1}">
+              <a14:hiddenFill xmlns:a14="http://schemas.microsoft.com/office/drawing/2010/main">
+                <a:solidFill>
+                  <a:schemeClr val="accent1"/>
+                </a:solidFill>
+              </a14:hiddenFill>
+            </a:ext>
+            <a:ext uri="{91240B29-F687-4F45-9708-019B960494DF}">
+              <a14:hiddenLine xmlns:a14="http://schemas.microsoft.com/office/drawing/2010/main" w="9525">
+                <a:solidFill>
+                  <a:schemeClr val="tx1"/>
+                </a:solidFill>
+                <a:miter lim="800000"/>
+                <a:headEnd/>
+                <a:tailEnd/>
+              </a14:hiddenLine>
+            </a:ext>
+          </a:extLst>
+        </p:spPr>
+      </p:pic>
+      <p:sp>
+        <p:nvSpPr>
+          <p:cNvPr id="4" name="TextBox 3"/>
+          <p:cNvSpPr txBox="1"/>
+          <p:nvPr/>
+        </p:nvSpPr>
+        <p:spPr>
+          <a:xfrm>
+            <a:off x="5724128" y="332656"/>
+            <a:ext cx="3096344" cy="1200329"/>
+          </a:xfrm>
+          <a:prstGeom prst="rect">
+            <a:avLst/>
+          </a:prstGeom>
+          <a:noFill/>
+        </p:spPr>
+        <p:txBody>
+          <a:bodyPr wrap="square" rtlCol="0">
+            <a:spAutoFit/>
+          </a:bodyPr>
+          <a:lstStyle/>
+          <a:p>
+            <a:r>
+              <a:rPr lang="ru-RU" dirty="0" smtClean="0"/>
+              <a:t>Запрос на изменение базы данных генерируется автоматически из экземпляра класса </a:t>
+            </a:r>
+            <a:r>
+              <a:rPr lang="en-US" dirty="0" err="1" smtClean="0"/>
+              <a:t>Patttern</a:t>
+            </a:r>
+            <a:endParaRPr lang="ru-RU" dirty="0"/>
+          </a:p>
+        </p:txBody>
+      </p:sp>
+    </p:spTree>
+    <p:extLst>
+      <p:ext uri="{BB962C8B-B14F-4D97-AF65-F5344CB8AC3E}">
+        <p14:creationId xmlns:p14="http://schemas.microsoft.com/office/powerpoint/2010/main" val="803598467"/>
+      </p:ext>
+    </p:extLst>
+  </p:cSld>
+  <p:clrMapOvr>
+    <a:masterClrMapping/>
+  </p:clrMapOvr>
+  <p:timing>
+    <p:tnLst>
+      <p:par>
+        <p:cTn id="1" dur="indefinite" restart="never" nodeType="tmRoot"/>
+      </p:par>
+    </p:tnLst>
+  </p:timing>
+</p:sld>
+</file>
+
+<file path=ppt/slides/slide11.xml><?xml version="1.0" encoding="utf-8"?>
+<p:sld xmlns:a="http://schemas.openxmlformats.org/drawingml/2006/main" xmlns:r="http://schemas.openxmlformats.org/officeDocument/2006/relationships" xmlns:p="http://schemas.openxmlformats.org/presentationml/2006/main">
+  <p:cSld>
+    <p:spTree>
+      <p:nvGrpSpPr>
+        <p:cNvPr id="1" name=""/>
+        <p:cNvGrpSpPr/>
+        <p:nvPr/>
+      </p:nvGrpSpPr>
+      <p:grpSpPr>
+        <a:xfrm>
+          <a:off x="0" y="0"/>
+          <a:ext cx="0" cy="0"/>
+          <a:chOff x="0" y="0"/>
+          <a:chExt cx="0" cy="0"/>
+        </a:xfrm>
+      </p:grpSpPr>
+      <p:pic>
+        <p:nvPicPr>
+          <p:cNvPr id="4098" name="Picture 2"/>
+          <p:cNvPicPr>
+            <a:picLocks noChangeAspect="1" noChangeArrowheads="1"/>
+          </p:cNvPicPr>
+          <p:nvPr/>
+        </p:nvPicPr>
+        <p:blipFill>
+          <a:blip r:embed="rId2">
+            <a:extLst>
+              <a:ext uri="{28A0092B-C50C-407E-A947-70E740481C1C}">
+                <a14:useLocalDpi xmlns:a14="http://schemas.microsoft.com/office/drawing/2010/main" val="0"/>
+              </a:ext>
+            </a:extLst>
+          </a:blip>
+          <a:srcRect/>
+          <a:stretch>
+            <a:fillRect/>
+          </a:stretch>
+        </p:blipFill>
+        <p:spPr bwMode="auto">
+          <a:xfrm>
+            <a:off x="183687" y="188640"/>
+            <a:ext cx="7258050" cy="5013088"/>
+          </a:xfrm>
+          <a:prstGeom prst="rect">
+            <a:avLst/>
+          </a:prstGeom>
+          <a:noFill/>
+          <a:ln>
+            <a:noFill/>
+          </a:ln>
+          <a:extLst>
+            <a:ext uri="{909E8E84-426E-40DD-AFC4-6F175D3DCCD1}">
+              <a14:hiddenFill xmlns:a14="http://schemas.microsoft.com/office/drawing/2010/main">
+                <a:solidFill>
+                  <a:schemeClr val="accent1"/>
+                </a:solidFill>
+              </a14:hiddenFill>
+            </a:ext>
+            <a:ext uri="{91240B29-F687-4F45-9708-019B960494DF}">
+              <a14:hiddenLine xmlns:a14="http://schemas.microsoft.com/office/drawing/2010/main" w="9525">
+                <a:solidFill>
+                  <a:schemeClr val="tx1"/>
+                </a:solidFill>
+                <a:miter lim="800000"/>
+                <a:headEnd/>
+                <a:tailEnd/>
+              </a14:hiddenLine>
+            </a:ext>
+          </a:extLst>
+        </p:spPr>
+      </p:pic>
+      <p:sp>
+        <p:nvSpPr>
+          <p:cNvPr id="4" name="TextBox 3"/>
+          <p:cNvSpPr txBox="1"/>
+          <p:nvPr/>
+        </p:nvSpPr>
+        <p:spPr>
+          <a:xfrm>
+            <a:off x="539552" y="5373216"/>
+            <a:ext cx="5544616" cy="923330"/>
+          </a:xfrm>
+          <a:prstGeom prst="rect">
+            <a:avLst/>
+          </a:prstGeom>
+          <a:noFill/>
+        </p:spPr>
+        <p:txBody>
+          <a:bodyPr wrap="square" rtlCol="0">
+            <a:spAutoFit/>
+          </a:bodyPr>
+          <a:lstStyle/>
+          <a:p>
+            <a:r>
+              <a:rPr lang="ru-RU" dirty="0" smtClean="0"/>
+              <a:t>Также есть алгоритм, который проверяет, все ли картинки шаблонов на месте, и правильного ли они разрешения</a:t>
+            </a:r>
+            <a:endParaRPr lang="ru-RU" dirty="0"/>
+          </a:p>
+        </p:txBody>
+      </p:sp>
+    </p:spTree>
+    <p:extLst>
+      <p:ext uri="{BB962C8B-B14F-4D97-AF65-F5344CB8AC3E}">
+        <p14:creationId xmlns:p14="http://schemas.microsoft.com/office/powerpoint/2010/main" val="3132130988"/>
+      </p:ext>
+    </p:extLst>
+  </p:cSld>
+  <p:clrMapOvr>
+    <a:masterClrMapping/>
+  </p:clrMapOvr>
+  <p:timing>
+    <p:tnLst>
+      <p:par>
+        <p:cTn id="1" dur="indefinite" restart="never" nodeType="tmRoot"/>
+      </p:par>
+    </p:tnLst>
+  </p:timing>
+</p:sld>
+</file>
+
+<file path=ppt/slides/slide12.xml><?xml version="1.0" encoding="utf-8"?>
+<p:sld xmlns:a="http://schemas.openxmlformats.org/drawingml/2006/main" xmlns:r="http://schemas.openxmlformats.org/officeDocument/2006/relationships" xmlns:p="http://schemas.openxmlformats.org/presentationml/2006/main">
+  <p:cSld>
+    <p:spTree>
+      <p:nvGrpSpPr>
+        <p:cNvPr id="1" name=""/>
+        <p:cNvGrpSpPr/>
+        <p:nvPr/>
+      </p:nvGrpSpPr>
+      <p:grpSpPr>
+        <a:xfrm>
+          <a:off x="0" y="0"/>
+          <a:ext cx="0" cy="0"/>
+          <a:chOff x="0" y="0"/>
+          <a:chExt cx="0" cy="0"/>
+        </a:xfrm>
+      </p:grpSpPr>
+      <p:pic>
+        <p:nvPicPr>
+          <p:cNvPr id="5122" name="Picture 2"/>
+          <p:cNvPicPr>
+            <a:picLocks noChangeAspect="1" noChangeArrowheads="1"/>
+          </p:cNvPicPr>
+          <p:nvPr/>
+        </p:nvPicPr>
+        <p:blipFill>
+          <a:blip r:embed="rId2">
+            <a:extLst>
+              <a:ext uri="{28A0092B-C50C-407E-A947-70E740481C1C}">
+                <a14:useLocalDpi xmlns:a14="http://schemas.microsoft.com/office/drawing/2010/main" val="0"/>
+              </a:ext>
+            </a:extLst>
+          </a:blip>
+          <a:srcRect/>
+          <a:stretch>
+            <a:fillRect/>
+          </a:stretch>
+        </p:blipFill>
+        <p:spPr bwMode="auto">
+          <a:xfrm>
+            <a:off x="611560" y="476672"/>
+            <a:ext cx="4286250" cy="2781300"/>
+          </a:xfrm>
+          <a:prstGeom prst="rect">
+            <a:avLst/>
+          </a:prstGeom>
+          <a:noFill/>
+          <a:ln>
+            <a:noFill/>
+          </a:ln>
+          <a:extLst>
+            <a:ext uri="{909E8E84-426E-40DD-AFC4-6F175D3DCCD1}">
+              <a14:hiddenFill xmlns:a14="http://schemas.microsoft.com/office/drawing/2010/main">
+                <a:solidFill>
+                  <a:schemeClr val="accent1"/>
+                </a:solidFill>
+              </a14:hiddenFill>
+            </a:ext>
+            <a:ext uri="{91240B29-F687-4F45-9708-019B960494DF}">
+              <a14:hiddenLine xmlns:a14="http://schemas.microsoft.com/office/drawing/2010/main" w="9525">
+                <a:solidFill>
+                  <a:schemeClr val="tx1"/>
+                </a:solidFill>
+                <a:miter lim="800000"/>
+                <a:headEnd/>
+                <a:tailEnd/>
+              </a14:hiddenLine>
+            </a:ext>
+          </a:extLst>
+        </p:spPr>
+      </p:pic>
+      <p:sp>
+        <p:nvSpPr>
+          <p:cNvPr id="4" name="TextBox 3"/>
+          <p:cNvSpPr txBox="1"/>
+          <p:nvPr/>
+        </p:nvSpPr>
+        <p:spPr>
+          <a:xfrm>
+            <a:off x="827584" y="3645024"/>
+            <a:ext cx="3816424" cy="369332"/>
+          </a:xfrm>
+          <a:prstGeom prst="rect">
+            <a:avLst/>
+          </a:prstGeom>
+          <a:noFill/>
+        </p:spPr>
+        <p:txBody>
+          <a:bodyPr wrap="square" rtlCol="0">
+            <a:spAutoFit/>
+          </a:bodyPr>
+          <a:lstStyle/>
+          <a:p>
+            <a:r>
+              <a:rPr lang="ru-RU" dirty="0" smtClean="0"/>
+              <a:t>Удаляет временные файлы с папки</a:t>
+            </a:r>
+            <a:endParaRPr lang="ru-RU" dirty="0"/>
+          </a:p>
+        </p:txBody>
+      </p:sp>
+    </p:spTree>
+    <p:extLst>
+      <p:ext uri="{BB962C8B-B14F-4D97-AF65-F5344CB8AC3E}">
+        <p14:creationId xmlns:p14="http://schemas.microsoft.com/office/powerpoint/2010/main" val="1987329523"/>
+      </p:ext>
+    </p:extLst>
+  </p:cSld>
+  <p:clrMapOvr>
+    <a:masterClrMapping/>
+  </p:clrMapOvr>
+  <p:timing>
+    <p:tnLst>
+      <p:par>
+        <p:cTn id="1" dur="indefinite" restart="never" nodeType="tmRoot"/>
+      </p:par>
+    </p:tnLst>
+  </p:timing>
+</p:sld>
+</file>
+
+<file path=ppt/slides/slide13.xml><?xml version="1.0" encoding="utf-8"?>
+<p:sld xmlns:a="http://schemas.openxmlformats.org/drawingml/2006/main" xmlns:r="http://schemas.openxmlformats.org/officeDocument/2006/relationships" xmlns:p="http://schemas.openxmlformats.org/presentationml/2006/main">
+  <p:cSld>
+    <p:spTree>
+      <p:nvGrpSpPr>
+        <p:cNvPr id="1" name=""/>
+        <p:cNvGrpSpPr/>
+        <p:nvPr/>
+      </p:nvGrpSpPr>
+      <p:grpSpPr>
+        <a:xfrm>
+          <a:off x="0" y="0"/>
+          <a:ext cx="0" cy="0"/>
+          <a:chOff x="0" y="0"/>
+          <a:chExt cx="0" cy="0"/>
+        </a:xfrm>
+      </p:grpSpPr>
+      <p:sp>
+        <p:nvSpPr>
+          <p:cNvPr id="2" name="Заголовок 1"/>
+          <p:cNvSpPr>
+            <a:spLocks noGrp="1"/>
+          </p:cNvSpPr>
+          <p:nvPr>
+            <p:ph type="ctrTitle"/>
+          </p:nvPr>
+        </p:nvSpPr>
+        <p:spPr/>
+        <p:txBody>
+          <a:bodyPr/>
+          <a:lstStyle/>
+          <a:p>
+            <a:r>
+              <a:rPr lang="ru-RU" dirty="0" smtClean="0"/>
+              <a:t>Спасибо за внимание!</a:t>
+            </a:r>
+            <a:endParaRPr lang="ru-RU" dirty="0"/>
+          </a:p>
+        </p:txBody>
+      </p:sp>
+      <p:sp>
+        <p:nvSpPr>
+          <p:cNvPr id="3" name="Подзаголовок 2"/>
+          <p:cNvSpPr>
+            <a:spLocks noGrp="1"/>
+          </p:cNvSpPr>
+          <p:nvPr>
+            <p:ph type="subTitle" idx="1"/>
+          </p:nvPr>
+        </p:nvSpPr>
+        <p:spPr/>
+        <p:txBody>
+          <a:bodyPr/>
+          <a:lstStyle/>
+          <a:p>
+            <a:r>
+              <a:rPr lang="ru-RU" dirty="0" smtClean="0"/>
+              <a:t>Давайте я покажу вам всё это на практике!</a:t>
+            </a:r>
+            <a:endParaRPr lang="ru-RU" dirty="0"/>
+          </a:p>
+        </p:txBody>
+      </p:sp>
+    </p:spTree>
+    <p:extLst>
+      <p:ext uri="{BB962C8B-B14F-4D97-AF65-F5344CB8AC3E}">
+        <p14:creationId xmlns:p14="http://schemas.microsoft.com/office/powerpoint/2010/main" val="1051757365"/>
+      </p:ext>
+    </p:extLst>
+  </p:cSld>
+  <p:clrMapOvr>
+    <a:masterClrMapping/>
+  </p:clrMapOvr>
+  <p:timing>
+    <p:tnLst>
+      <p:par>
+        <p:cTn id="1" dur="indefinite" restart="never" nodeType="tmRoot"/>
+      </p:par>
+    </p:tnLst>
+  </p:timing>
 </p:sld>
 </file>
 
@@ -3277,11 +3741,11 @@
           <a:p>
             <a:r>
               <a:rPr lang="ru-RU" dirty="0" smtClean="0"/>
-              <a:t>Можете даже скопировать картинку в буфер обмена! </a:t>
-            </a:r>
-            <a:r>
-              <a:rPr lang="en-US" dirty="0" smtClean="0"/>
-              <a:t>(WIP)</a:t>
+              <a:t>Можете даже скопировать картинку в буфер обмена</a:t>
+            </a:r>
+            <a:r>
+              <a:rPr lang="ru-RU" dirty="0" smtClean="0"/>
+              <a:t>!</a:t>
             </a:r>
             <a:endParaRPr lang="ru-RU" dirty="0"/>
           </a:p>
@@ -3297,6 +3761,13 @@
   <p:clrMapOvr>
     <a:masterClrMapping/>
   </p:clrMapOvr>
+  <p:timing>
+    <p:tnLst>
+      <p:par>
+        <p:cTn id="1" dur="indefinite" restart="never" nodeType="tmRoot"/>
+      </p:par>
+    </p:tnLst>
+  </p:timing>
 </p:sld>
 </file>
 
@@ -3550,6 +4021,13 @@
   <p:clrMapOvr>
     <a:masterClrMapping/>
   </p:clrMapOvr>
+  <p:timing>
+    <p:tnLst>
+      <p:par>
+        <p:cTn id="1" dur="indefinite" restart="never" nodeType="tmRoot"/>
+      </p:par>
+    </p:tnLst>
+  </p:timing>
 </p:sld>
 </file>
 
@@ -3713,19 +4191,11 @@
             </a:pPr>
             <a:r>
               <a:rPr lang="ru-RU" dirty="0" smtClean="0"/>
-              <a:t>Пользовательские создаются с помощью кнопки создать и небольшого помощника создания шаблонов. Также они могут быть полностью изменены и удалены. Их лимит вы можете прописать в </a:t>
-            </a:r>
-            <a:r>
-              <a:rPr lang="en-US" dirty="0" smtClean="0"/>
-              <a:t>JSON </a:t>
-            </a:r>
-            <a:r>
-              <a:rPr lang="ru-RU" dirty="0" smtClean="0"/>
-              <a:t>файле в папке </a:t>
-            </a:r>
-            <a:r>
-              <a:rPr lang="en-US" dirty="0" smtClean="0"/>
-              <a:t>Data</a:t>
+              <a:t>Пользовательские создаются с помощью кнопки создать и небольшого помощника создания шаблонов. Также они могут быть полностью изменены и </a:t>
+            </a:r>
+            <a:r>
+              <a:rPr lang="ru-RU" dirty="0" smtClean="0"/>
+              <a:t>удалены</a:t>
             </a:r>
           </a:p>
           <a:p>
@@ -3735,7 +4205,11 @@
             </a:pPr>
             <a:r>
               <a:rPr lang="ru-RU" dirty="0" smtClean="0"/>
-              <a:t>Все шаблоны хранятся в виде данных в базе данных формата </a:t>
+              <a:t>Все </a:t>
+            </a:r>
+            <a:r>
+              <a:rPr lang="ru-RU" dirty="0" smtClean="0"/>
+              <a:t>шаблоны хранятся в виде данных в базе данных формата </a:t>
             </a:r>
             <a:r>
               <a:rPr lang="en-US" dirty="0" err="1" smtClean="0"/>
@@ -3753,7 +4227,21 @@
             </a:pPr>
             <a:r>
               <a:rPr lang="ru-RU" dirty="0" smtClean="0"/>
-              <a:t>Также есть кнопки управления фоновым цветом</a:t>
+              <a:t>Также есть кнопки управления фоновым </a:t>
+            </a:r>
+            <a:r>
+              <a:rPr lang="ru-RU" dirty="0" smtClean="0"/>
+              <a:t>цветом</a:t>
+            </a:r>
+          </a:p>
+          <a:p>
+            <a:pPr marL="285750" indent="-285750">
+              <a:buFont typeface="Arial" panose="020B0604020202020204" pitchFamily="34" charset="0"/>
+              <a:buChar char="•"/>
+            </a:pPr>
+            <a:r>
+              <a:rPr lang="ru-RU" dirty="0" smtClean="0"/>
+              <a:t>Кнопки изменить, создать и удалить отвечают за работу с шаблоном</a:t>
             </a:r>
             <a:endParaRPr lang="ru-RU" dirty="0"/>
           </a:p>
@@ -3769,6 +4257,13 @@
   <p:clrMapOvr>
     <a:masterClrMapping/>
   </p:clrMapOvr>
+  <p:timing>
+    <p:tnLst>
+      <p:par>
+        <p:cTn id="1" dur="indefinite" restart="never" nodeType="tmRoot"/>
+      </p:par>
+    </p:tnLst>
+  </p:timing>
 </p:sld>
 </file>
 
@@ -3801,166 +4296,246 @@
         </p:nvSpPr>
         <p:spPr/>
         <p:txBody>
-          <a:bodyPr/>
-          <a:lstStyle/>
-          <a:p>
-            <a:r>
-              <a:rPr lang="ru-RU" dirty="0" smtClean="0"/>
-              <a:t>Сохранение </a:t>
-            </a:r>
-            <a:r>
-              <a:rPr lang="ru-RU" dirty="0" err="1" smtClean="0"/>
-              <a:t>мема</a:t>
+          <a:bodyPr>
+            <a:normAutofit fontScale="90000"/>
+          </a:bodyPr>
+          <a:lstStyle/>
+          <a:p>
+            <a:r>
+              <a:rPr lang="ru-RU" dirty="0" smtClean="0"/>
+              <a:t>Создание</a:t>
+            </a:r>
+            <a:r>
+              <a:rPr lang="en-US" dirty="0" smtClean="0"/>
+              <a:t>/</a:t>
+            </a:r>
+            <a:r>
+              <a:rPr lang="ru-RU" dirty="0" smtClean="0"/>
+              <a:t>редактирование шаблона</a:t>
             </a:r>
             <a:endParaRPr lang="ru-RU" dirty="0"/>
           </a:p>
         </p:txBody>
       </p:sp>
-      <p:sp>
-        <p:nvSpPr>
-          <p:cNvPr id="3" name="Объект 2"/>
-          <p:cNvSpPr>
-            <a:spLocks noGrp="1"/>
-          </p:cNvSpPr>
+      <p:pic>
+        <p:nvPicPr>
+          <p:cNvPr id="1026" name="Picture 2"/>
+          <p:cNvPicPr>
+            <a:picLocks noGrp="1" noChangeAspect="1" noChangeArrowheads="1"/>
+          </p:cNvPicPr>
           <p:nvPr>
             <p:ph idx="1"/>
           </p:nvPr>
+        </p:nvPicPr>
+        <p:blipFill>
+          <a:blip r:embed="rId2">
+            <a:extLst>
+              <a:ext uri="{28A0092B-C50C-407E-A947-70E740481C1C}">
+                <a14:useLocalDpi xmlns:a14="http://schemas.microsoft.com/office/drawing/2010/main" val="0"/>
+              </a:ext>
+            </a:extLst>
+          </a:blip>
+          <a:srcRect/>
+          <a:stretch>
+            <a:fillRect/>
+          </a:stretch>
+        </p:blipFill>
+        <p:spPr bwMode="auto">
+          <a:xfrm>
+            <a:off x="467544" y="1196753"/>
+            <a:ext cx="4197958" cy="3888432"/>
+          </a:xfrm>
+          <a:prstGeom prst="rect">
+            <a:avLst/>
+          </a:prstGeom>
+          <a:noFill/>
+          <a:ln>
+            <a:noFill/>
+          </a:ln>
+          <a:extLst>
+            <a:ext uri="{909E8E84-426E-40DD-AFC4-6F175D3DCCD1}">
+              <a14:hiddenFill xmlns:a14="http://schemas.microsoft.com/office/drawing/2010/main">
+                <a:solidFill>
+                  <a:schemeClr val="accent1"/>
+                </a:solidFill>
+              </a14:hiddenFill>
+            </a:ext>
+            <a:ext uri="{91240B29-F687-4F45-9708-019B960494DF}">
+              <a14:hiddenLine xmlns:a14="http://schemas.microsoft.com/office/drawing/2010/main" w="9525">
+                <a:solidFill>
+                  <a:schemeClr val="tx1"/>
+                </a:solidFill>
+                <a:miter lim="800000"/>
+                <a:headEnd/>
+                <a:tailEnd/>
+              </a14:hiddenLine>
+            </a:ext>
+          </a:extLst>
+        </p:spPr>
+      </p:pic>
+      <p:sp>
+        <p:nvSpPr>
+          <p:cNvPr id="4" name="TextBox 3"/>
+          <p:cNvSpPr txBox="1"/>
+          <p:nvPr/>
         </p:nvSpPr>
         <p:spPr>
           <a:xfrm>
-            <a:off x="251520" y="1600200"/>
-            <a:ext cx="8712968" cy="4997152"/>
+            <a:off x="4716016" y="1268760"/>
+            <a:ext cx="4104456" cy="5324535"/>
           </a:xfrm>
+          <a:prstGeom prst="rect">
+            <a:avLst/>
+          </a:prstGeom>
+          <a:noFill/>
         </p:spPr>
         <p:txBody>
-          <a:bodyPr>
-            <a:normAutofit fontScale="92500" lnSpcReduction="10000"/>
+          <a:bodyPr wrap="square" rtlCol="0">
+            <a:spAutoFit/>
           </a:bodyPr>
           <a:lstStyle/>
           <a:p>
-            <a:pPr marL="0" indent="0">
-              <a:buNone/>
+            <a:pPr marL="285750" indent="-285750">
+              <a:buFont typeface="Wingdings"/>
+              <a:buChar char="ß"/>
             </a:pPr>
             <a:r>
-              <a:rPr lang="ru-RU" dirty="0" smtClean="0"/>
-              <a:t>Вы можете сохранить </a:t>
-            </a:r>
-            <a:r>
-              <a:rPr lang="ru-RU" dirty="0" err="1" smtClean="0"/>
-              <a:t>мем</a:t>
-            </a:r>
-            <a:r>
-              <a:rPr lang="ru-RU" dirty="0" smtClean="0"/>
-              <a:t> 2 путями:</a:t>
-            </a:r>
-          </a:p>
-          <a:p>
-            <a:r>
-              <a:rPr lang="ru-RU" dirty="0" smtClean="0"/>
-              <a:t>Первый и самый очевидный – кнопкой «Сохранить как», выбираете место назначение, имя и формат файла</a:t>
-            </a:r>
-          </a:p>
-          <a:p>
-            <a:r>
-              <a:rPr lang="ru-RU" dirty="0" smtClean="0"/>
-              <a:t>Второй же «ручной» метод: </a:t>
-            </a:r>
-          </a:p>
-          <a:p>
-            <a:pPr marL="0" indent="0">
-              <a:buNone/>
+              <a:rPr lang="ru-RU" sz="1700" dirty="0" smtClean="0"/>
+              <a:t>Интерфейс</a:t>
+            </a:r>
+            <a:r>
+              <a:rPr lang="en-US" sz="1700" dirty="0" smtClean="0"/>
+              <a:t>, </a:t>
+            </a:r>
+            <a:r>
+              <a:rPr lang="ru-RU" sz="1700" dirty="0" smtClean="0"/>
+              <a:t>быстро пробегусь по полям:</a:t>
+            </a:r>
+          </a:p>
+          <a:p>
+            <a:endParaRPr lang="ru-RU" sz="1700" dirty="0" smtClean="0"/>
+          </a:p>
+          <a:p>
+            <a:pPr marL="285750" indent="-285750">
+              <a:buFont typeface="Arial" panose="020B0604020202020204" pitchFamily="34" charset="0"/>
+              <a:buChar char="•"/>
             </a:pPr>
             <a:r>
-              <a:rPr lang="ru-RU" dirty="0"/>
-              <a:t> </a:t>
-            </a:r>
-            <a:r>
-              <a:rPr lang="ru-RU" dirty="0" smtClean="0"/>
-              <a:t>   Сгенерированный </a:t>
-            </a:r>
-            <a:r>
-              <a:rPr lang="ru-RU" dirty="0" err="1" smtClean="0"/>
-              <a:t>мем</a:t>
-            </a:r>
-            <a:r>
-              <a:rPr lang="ru-RU" dirty="0" smtClean="0"/>
-              <a:t> находится в папке</a:t>
-            </a:r>
-          </a:p>
-          <a:p>
-            <a:pPr marL="0" indent="0">
-              <a:buNone/>
+              <a:rPr lang="ru-RU" sz="1700" dirty="0"/>
+              <a:t>Размер шрифта - размер вставляемого шрифта (1 ~ 299)</a:t>
+            </a:r>
+            <a:endParaRPr lang="ru-RU" sz="1700" dirty="0" smtClean="0"/>
+          </a:p>
+          <a:p>
+            <a:pPr marL="285750" indent="-285750">
+              <a:buFont typeface="Arial" panose="020B0604020202020204" pitchFamily="34" charset="0"/>
+              <a:buChar char="•"/>
             </a:pPr>
             <a:r>
-              <a:rPr lang="ru-RU" dirty="0" smtClean="0"/>
-              <a:t>    программы «</a:t>
-            </a:r>
-            <a:r>
-              <a:rPr lang="en-US" dirty="0" smtClean="0"/>
-              <a:t>Images/Output/output.png</a:t>
-            </a:r>
-            <a:r>
-              <a:rPr lang="ru-RU" dirty="0" smtClean="0"/>
-              <a:t>»</a:t>
-            </a:r>
-            <a:endParaRPr lang="en-US" dirty="0" smtClean="0"/>
-          </a:p>
-          <a:p>
-            <a:pPr marL="0" indent="0">
-              <a:buNone/>
+              <a:rPr lang="ru-RU" sz="1700" dirty="0" smtClean="0"/>
+              <a:t>Слов на </a:t>
+            </a:r>
+            <a:r>
+              <a:rPr lang="ru-RU" sz="1700" dirty="0"/>
+              <a:t>строке - сколько максимум слов (считая союзы) может находиться на строке (</a:t>
+            </a:r>
+            <a:r>
+              <a:rPr lang="ru-RU" sz="1700" dirty="0" smtClean="0"/>
+              <a:t>0 ~ 10</a:t>
+            </a:r>
+            <a:r>
+              <a:rPr lang="ru-RU" sz="1700" dirty="0"/>
+              <a:t>, 0 - нет ограничения</a:t>
+            </a:r>
+            <a:r>
+              <a:rPr lang="ru-RU" sz="1700" dirty="0" smtClean="0"/>
+              <a:t>)</a:t>
+            </a:r>
+          </a:p>
+          <a:p>
+            <a:pPr marL="285750" indent="-285750">
+              <a:buFont typeface="Arial" panose="020B0604020202020204" pitchFamily="34" charset="0"/>
+              <a:buChar char="•"/>
             </a:pPr>
             <a:r>
-              <a:rPr lang="ru-RU" dirty="0"/>
-              <a:t> </a:t>
-            </a:r>
-            <a:r>
-              <a:rPr lang="ru-RU" dirty="0" smtClean="0"/>
-              <a:t>   Но если вы хотите изменить разрешение</a:t>
-            </a:r>
-          </a:p>
-          <a:p>
-            <a:pPr marL="0" indent="0">
-              <a:buNone/>
+              <a:rPr lang="ru-RU" sz="1700" dirty="0"/>
+              <a:t>Выравнивание по Лево/Центр/Право - текст будет </a:t>
+            </a:r>
+            <a:r>
+              <a:rPr lang="ru-RU" sz="1700" dirty="0" smtClean="0"/>
+              <a:t>выравниваться по выбранной стороне </a:t>
+            </a:r>
+            <a:r>
+              <a:rPr lang="ru-RU" sz="1700" dirty="0"/>
+              <a:t>в </a:t>
+            </a:r>
+            <a:r>
+              <a:rPr lang="ru-RU" sz="1700" dirty="0" smtClean="0"/>
+              <a:t>заданном боксе</a:t>
+            </a:r>
+          </a:p>
+          <a:p>
+            <a:pPr marL="285750" indent="-285750">
+              <a:buFont typeface="Arial" panose="020B0604020202020204" pitchFamily="34" charset="0"/>
+              <a:buChar char="•"/>
             </a:pPr>
             <a:r>
-              <a:rPr lang="ru-RU" dirty="0" smtClean="0"/>
-              <a:t>    например на </a:t>
-            </a:r>
-            <a:r>
-              <a:rPr lang="en-US" dirty="0" smtClean="0"/>
-              <a:t>jpeg – </a:t>
-            </a:r>
-            <a:r>
-              <a:rPr lang="ru-RU" dirty="0" smtClean="0"/>
-              <a:t>воспользуйтесь первым</a:t>
-            </a:r>
-          </a:p>
-          <a:p>
-            <a:pPr marL="0" indent="0">
-              <a:buNone/>
+              <a:rPr lang="ru-RU" sz="1700" dirty="0" smtClean="0"/>
+              <a:t>Изменить шаблон – меняет основную картинку</a:t>
+            </a:r>
+          </a:p>
+          <a:p>
+            <a:pPr marL="285750" indent="-285750">
+              <a:buFont typeface="Arial" panose="020B0604020202020204" pitchFamily="34" charset="0"/>
+              <a:buChar char="•"/>
             </a:pPr>
             <a:r>
-              <a:rPr lang="ru-RU" dirty="0"/>
-              <a:t> </a:t>
-            </a:r>
-            <a:r>
-              <a:rPr lang="ru-RU" dirty="0" smtClean="0"/>
-              <a:t>   способом</a:t>
-            </a:r>
-            <a:endParaRPr lang="ru-RU" dirty="0"/>
+              <a:rPr lang="ru-RU" sz="1700" dirty="0" smtClean="0"/>
+              <a:t>Создание – появляется только в режиме создания, включает</a:t>
+            </a:r>
+            <a:r>
+              <a:rPr lang="en-US" sz="1700" dirty="0" smtClean="0"/>
+              <a:t>/</a:t>
+            </a:r>
+            <a:r>
+              <a:rPr lang="ru-RU" sz="1700" dirty="0" smtClean="0"/>
+              <a:t>выключает поля выше</a:t>
+            </a:r>
+          </a:p>
+          <a:p>
+            <a:pPr marL="285750" indent="-285750">
+              <a:buFont typeface="Arial" panose="020B0604020202020204" pitchFamily="34" charset="0"/>
+              <a:buChar char="•"/>
+            </a:pPr>
+            <a:r>
+              <a:rPr lang="ru-RU" sz="1700" dirty="0"/>
+              <a:t>Размер и </a:t>
+            </a:r>
+            <a:r>
+              <a:rPr lang="ru-RU" sz="1700" dirty="0" smtClean="0"/>
+              <a:t>позиция – отображают размер и позицию бокса изображения, изменить значения с помощью кнопки изменить</a:t>
+            </a:r>
+            <a:endParaRPr lang="ru-RU" sz="1700" dirty="0"/>
           </a:p>
         </p:txBody>
       </p:sp>
     </p:spTree>
     <p:extLst>
       <p:ext uri="{BB962C8B-B14F-4D97-AF65-F5344CB8AC3E}">
-        <p14:creationId xmlns:p14="http://schemas.microsoft.com/office/powerpoint/2010/main" val="265864183"/>
+        <p14:creationId xmlns:p14="http://schemas.microsoft.com/office/powerpoint/2010/main" val="2297993497"/>
       </p:ext>
     </p:extLst>
   </p:cSld>
   <p:clrMapOvr>
     <a:masterClrMapping/>
   </p:clrMapOvr>
+  <p:timing>
+    <p:tnLst>
+      <p:par>
+        <p:cTn id="1" dur="indefinite" restart="never" nodeType="tmRoot"/>
+      </p:par>
+    </p:tnLst>
+  </p:timing>
 </p:sld>
 </file>
 
@@ -3988,7 +4563,7 @@
             <a:spLocks noGrp="1"/>
           </p:cNvSpPr>
           <p:nvPr>
-            <p:ph type="ctrTitle"/>
+            <p:ph type="title"/>
           </p:nvPr>
         </p:nvSpPr>
         <p:spPr/>
@@ -3998,7 +4573,7 @@
           <a:p>
             <a:r>
               <a:rPr lang="ru-RU" dirty="0" smtClean="0"/>
-              <a:t>Спасибо за внимание!</a:t>
+              <a:t>Выбор области</a:t>
             </a:r>
             <a:endParaRPr lang="ru-RU" dirty="0"/>
           </a:p>
@@ -4006,23 +4581,62 @@
       </p:sp>
       <p:sp>
         <p:nvSpPr>
-          <p:cNvPr id="3" name="Подзаголовок 2"/>
-          <p:cNvSpPr>
-            <a:spLocks noGrp="1"/>
-          </p:cNvSpPr>
-          <p:nvPr>
-            <p:ph type="subTitle" idx="1"/>
-          </p:nvPr>
-        </p:nvSpPr>
-        <p:spPr/>
-        <p:txBody>
-          <a:bodyPr/>
-          <a:lstStyle/>
-          <a:p>
-            <a:r>
-              <a:rPr lang="ru-RU" dirty="0" smtClean="0"/>
-              <a:t>Давайте я покажу вам всё это на практике!</a:t>
-            </a:r>
+          <p:cNvPr id="3" name="Объект 2"/>
+          <p:cNvSpPr>
+            <a:spLocks noGrp="1"/>
+          </p:cNvSpPr>
+          <p:nvPr>
+            <p:ph idx="1"/>
+          </p:nvPr>
+        </p:nvSpPr>
+        <p:spPr>
+          <a:xfrm>
+            <a:off x="457200" y="1600200"/>
+            <a:ext cx="8229600" cy="4809226"/>
+          </a:xfrm>
+        </p:spPr>
+        <p:txBody>
+          <a:bodyPr>
+            <a:normAutofit fontScale="92500" lnSpcReduction="20000"/>
+          </a:bodyPr>
+          <a:lstStyle/>
+          <a:p>
+            <a:pPr marL="0" indent="0">
+              <a:buNone/>
+            </a:pPr>
+            <a:r>
+              <a:rPr lang="ru-RU" dirty="0" smtClean="0"/>
+              <a:t>При входе в редактор выбора области картинка развернется на весь экран</a:t>
+            </a:r>
+          </a:p>
+          <a:p>
+            <a:r>
+              <a:rPr lang="ru-RU" dirty="0" smtClean="0"/>
+              <a:t>Красный прямоугольник – текущая выбранная область</a:t>
+            </a:r>
+          </a:p>
+          <a:p>
+            <a:r>
+              <a:rPr lang="ru-RU" dirty="0" smtClean="0"/>
+              <a:t>Зеленый прямоугольник – создается после 2ух кликов по картинке, отображает новую область</a:t>
+            </a:r>
+          </a:p>
+          <a:p>
+            <a:r>
+              <a:rPr lang="ru-RU" dirty="0" smtClean="0"/>
+              <a:t>Кнопка очистить – убирает зеленый прямоугольник и позволяет создать его заново</a:t>
+            </a:r>
+          </a:p>
+          <a:p>
+            <a:r>
+              <a:rPr lang="ru-RU" dirty="0" smtClean="0"/>
+              <a:t>Кнопка применить – сохраняет область и изменяет данные</a:t>
+            </a:r>
+          </a:p>
+          <a:p>
+            <a:pPr marL="0" indent="0">
+              <a:buNone/>
+            </a:pPr>
             <a:endParaRPr lang="ru-RU" dirty="0"/>
           </a:p>
         </p:txBody>
@@ -4030,13 +4644,594 @@
     </p:spTree>
     <p:extLst>
       <p:ext uri="{BB962C8B-B14F-4D97-AF65-F5344CB8AC3E}">
-        <p14:creationId xmlns:p14="http://schemas.microsoft.com/office/powerpoint/2010/main" val="1051757365"/>
+        <p14:creationId xmlns:p14="http://schemas.microsoft.com/office/powerpoint/2010/main" val="3286432623"/>
       </p:ext>
     </p:extLst>
   </p:cSld>
   <p:clrMapOvr>
     <a:masterClrMapping/>
   </p:clrMapOvr>
+  <p:timing>
+    <p:tnLst>
+      <p:par>
+        <p:cTn id="1" dur="indefinite" restart="never" nodeType="tmRoot"/>
+      </p:par>
+    </p:tnLst>
+  </p:timing>
+</p:sld>
+</file>
+
+<file path=ppt/slides/slide7.xml><?xml version="1.0" encoding="utf-8"?>
+<p:sld xmlns:a="http://schemas.openxmlformats.org/drawingml/2006/main" xmlns:r="http://schemas.openxmlformats.org/officeDocument/2006/relationships" xmlns:p="http://schemas.openxmlformats.org/presentationml/2006/main">
+  <p:cSld>
+    <p:spTree>
+      <p:nvGrpSpPr>
+        <p:cNvPr id="1" name=""/>
+        <p:cNvGrpSpPr/>
+        <p:nvPr/>
+      </p:nvGrpSpPr>
+      <p:grpSpPr>
+        <a:xfrm>
+          <a:off x="0" y="0"/>
+          <a:ext cx="0" cy="0"/>
+          <a:chOff x="0" y="0"/>
+          <a:chExt cx="0" cy="0"/>
+        </a:xfrm>
+      </p:grpSpPr>
+      <p:sp>
+        <p:nvSpPr>
+          <p:cNvPr id="2" name="Заголовок 1"/>
+          <p:cNvSpPr>
+            <a:spLocks noGrp="1"/>
+          </p:cNvSpPr>
+          <p:nvPr>
+            <p:ph type="title"/>
+          </p:nvPr>
+        </p:nvSpPr>
+        <p:spPr/>
+        <p:txBody>
+          <a:bodyPr/>
+          <a:lstStyle/>
+          <a:p>
+            <a:r>
+              <a:rPr lang="ru-RU" dirty="0" smtClean="0"/>
+              <a:t>Сохранение </a:t>
+            </a:r>
+            <a:r>
+              <a:rPr lang="ru-RU" dirty="0" err="1" smtClean="0"/>
+              <a:t>мема</a:t>
+            </a:r>
+            <a:endParaRPr lang="ru-RU" dirty="0"/>
+          </a:p>
+        </p:txBody>
+      </p:sp>
+      <p:sp>
+        <p:nvSpPr>
+          <p:cNvPr id="3" name="Объект 2"/>
+          <p:cNvSpPr>
+            <a:spLocks noGrp="1"/>
+          </p:cNvSpPr>
+          <p:nvPr>
+            <p:ph idx="1"/>
+          </p:nvPr>
+        </p:nvSpPr>
+        <p:spPr>
+          <a:xfrm>
+            <a:off x="251520" y="1600200"/>
+            <a:ext cx="8712968" cy="4997152"/>
+          </a:xfrm>
+        </p:spPr>
+        <p:txBody>
+          <a:bodyPr>
+            <a:normAutofit fontScale="85000" lnSpcReduction="20000"/>
+          </a:bodyPr>
+          <a:lstStyle/>
+          <a:p>
+            <a:pPr marL="0" indent="0">
+              <a:buNone/>
+            </a:pPr>
+            <a:r>
+              <a:rPr lang="ru-RU" dirty="0" smtClean="0"/>
+              <a:t>Вы можете сохранить </a:t>
+            </a:r>
+            <a:r>
+              <a:rPr lang="ru-RU" dirty="0" err="1" smtClean="0"/>
+              <a:t>мем</a:t>
+            </a:r>
+            <a:r>
+              <a:rPr lang="ru-RU" dirty="0" smtClean="0"/>
+              <a:t> </a:t>
+            </a:r>
+            <a:r>
+              <a:rPr lang="ru-RU" dirty="0" smtClean="0"/>
+              <a:t>3 </a:t>
+            </a:r>
+            <a:r>
+              <a:rPr lang="ru-RU" dirty="0" smtClean="0"/>
+              <a:t>путями:</a:t>
+            </a:r>
+          </a:p>
+          <a:p>
+            <a:r>
+              <a:rPr lang="ru-RU" dirty="0" smtClean="0"/>
+              <a:t>Первый и самый очевидный – кнопкой «Сохранить как», выбираете место назначение, имя и формат файла</a:t>
+            </a:r>
+          </a:p>
+          <a:p>
+            <a:r>
+              <a:rPr lang="ru-RU" dirty="0" smtClean="0"/>
+              <a:t>Второй же «ручной» метод: </a:t>
+            </a:r>
+          </a:p>
+          <a:p>
+            <a:pPr marL="0" indent="0">
+              <a:buNone/>
+            </a:pPr>
+            <a:r>
+              <a:rPr lang="ru-RU" dirty="0"/>
+              <a:t> </a:t>
+            </a:r>
+            <a:r>
+              <a:rPr lang="ru-RU" dirty="0" smtClean="0"/>
+              <a:t>   Сгенерированный </a:t>
+            </a:r>
+            <a:r>
+              <a:rPr lang="ru-RU" dirty="0" err="1" smtClean="0"/>
+              <a:t>мем</a:t>
+            </a:r>
+            <a:r>
+              <a:rPr lang="ru-RU" dirty="0" smtClean="0"/>
+              <a:t> находится в папке</a:t>
+            </a:r>
+          </a:p>
+          <a:p>
+            <a:pPr marL="0" indent="0">
+              <a:buNone/>
+            </a:pPr>
+            <a:r>
+              <a:rPr lang="ru-RU" dirty="0" smtClean="0"/>
+              <a:t>    программы «</a:t>
+            </a:r>
+            <a:r>
+              <a:rPr lang="en-US" dirty="0" smtClean="0"/>
+              <a:t>Images/Output/output.png</a:t>
+            </a:r>
+            <a:r>
+              <a:rPr lang="ru-RU" dirty="0" smtClean="0"/>
+              <a:t>»</a:t>
+            </a:r>
+            <a:endParaRPr lang="en-US" dirty="0" smtClean="0"/>
+          </a:p>
+          <a:p>
+            <a:pPr marL="0" indent="0">
+              <a:buNone/>
+            </a:pPr>
+            <a:r>
+              <a:rPr lang="ru-RU" dirty="0"/>
+              <a:t> </a:t>
+            </a:r>
+            <a:r>
+              <a:rPr lang="ru-RU" dirty="0" smtClean="0"/>
+              <a:t>   Но если вы хотите изменить разрешение</a:t>
+            </a:r>
+          </a:p>
+          <a:p>
+            <a:pPr marL="0" indent="0">
+              <a:buNone/>
+            </a:pPr>
+            <a:r>
+              <a:rPr lang="ru-RU" dirty="0" smtClean="0"/>
+              <a:t>    например на </a:t>
+            </a:r>
+            <a:r>
+              <a:rPr lang="en-US" dirty="0" smtClean="0"/>
+              <a:t>jpeg – </a:t>
+            </a:r>
+            <a:r>
+              <a:rPr lang="ru-RU" dirty="0" smtClean="0"/>
+              <a:t>воспользуйтесь первым</a:t>
+            </a:r>
+          </a:p>
+          <a:p>
+            <a:pPr marL="0" indent="0">
+              <a:buNone/>
+            </a:pPr>
+            <a:r>
+              <a:rPr lang="ru-RU" dirty="0"/>
+              <a:t> </a:t>
+            </a:r>
+            <a:r>
+              <a:rPr lang="ru-RU" dirty="0" smtClean="0"/>
+              <a:t>   </a:t>
+            </a:r>
+            <a:r>
+              <a:rPr lang="ru-RU" dirty="0" smtClean="0"/>
+              <a:t>способом</a:t>
+            </a:r>
+          </a:p>
+          <a:p>
+            <a:r>
+              <a:rPr lang="ru-RU" dirty="0" smtClean="0"/>
+              <a:t>И третий – кнопка «</a:t>
+            </a:r>
+            <a:r>
+              <a:rPr lang="en-US" dirty="0" smtClean="0"/>
+              <a:t>copy</a:t>
+            </a:r>
+            <a:r>
+              <a:rPr lang="ru-RU" dirty="0" smtClean="0"/>
+              <a:t>»</a:t>
+            </a:r>
+            <a:r>
+              <a:rPr lang="en-US" dirty="0" smtClean="0"/>
+              <a:t>, </a:t>
+            </a:r>
+            <a:r>
+              <a:rPr lang="ru-RU" dirty="0" smtClean="0"/>
+              <a:t>копирует картинку в буфер обмена</a:t>
+            </a:r>
+            <a:endParaRPr lang="ru-RU" dirty="0"/>
+          </a:p>
+        </p:txBody>
+      </p:sp>
+    </p:spTree>
+    <p:extLst>
+      <p:ext uri="{BB962C8B-B14F-4D97-AF65-F5344CB8AC3E}">
+        <p14:creationId xmlns:p14="http://schemas.microsoft.com/office/powerpoint/2010/main" val="265864183"/>
+      </p:ext>
+    </p:extLst>
+  </p:cSld>
+  <p:clrMapOvr>
+    <a:masterClrMapping/>
+  </p:clrMapOvr>
+  <p:timing>
+    <p:tnLst>
+      <p:par>
+        <p:cTn id="1" dur="indefinite" restart="never" nodeType="tmRoot"/>
+      </p:par>
+    </p:tnLst>
+  </p:timing>
+</p:sld>
+</file>
+
+<file path=ppt/slides/slide8.xml><?xml version="1.0" encoding="utf-8"?>
+<p:sld xmlns:a="http://schemas.openxmlformats.org/drawingml/2006/main" xmlns:r="http://schemas.openxmlformats.org/officeDocument/2006/relationships" xmlns:p="http://schemas.openxmlformats.org/presentationml/2006/main">
+  <p:cSld>
+    <p:spTree>
+      <p:nvGrpSpPr>
+        <p:cNvPr id="1" name=""/>
+        <p:cNvGrpSpPr/>
+        <p:nvPr/>
+      </p:nvGrpSpPr>
+      <p:grpSpPr>
+        <a:xfrm>
+          <a:off x="0" y="0"/>
+          <a:ext cx="0" cy="0"/>
+          <a:chOff x="0" y="0"/>
+          <a:chExt cx="0" cy="0"/>
+        </a:xfrm>
+      </p:grpSpPr>
+      <p:sp>
+        <p:nvSpPr>
+          <p:cNvPr id="2" name="Заголовок 1"/>
+          <p:cNvSpPr>
+            <a:spLocks noGrp="1"/>
+          </p:cNvSpPr>
+          <p:nvPr>
+            <p:ph type="title"/>
+          </p:nvPr>
+        </p:nvSpPr>
+        <p:spPr/>
+        <p:txBody>
+          <a:bodyPr/>
+          <a:lstStyle/>
+          <a:p>
+            <a:r>
+              <a:rPr lang="ru-RU" dirty="0" smtClean="0"/>
+              <a:t>Использованные технологии</a:t>
+            </a:r>
+            <a:endParaRPr lang="ru-RU" dirty="0"/>
+          </a:p>
+        </p:txBody>
+      </p:sp>
+      <p:sp>
+        <p:nvSpPr>
+          <p:cNvPr id="3" name="Объект 2"/>
+          <p:cNvSpPr>
+            <a:spLocks noGrp="1"/>
+          </p:cNvSpPr>
+          <p:nvPr>
+            <p:ph idx="1"/>
+          </p:nvPr>
+        </p:nvSpPr>
+        <p:spPr/>
+        <p:txBody>
+          <a:bodyPr>
+            <a:normAutofit lnSpcReduction="10000"/>
+          </a:bodyPr>
+          <a:lstStyle/>
+          <a:p>
+            <a:r>
+              <a:rPr lang="ru-RU" dirty="0" smtClean="0"/>
+              <a:t>Для проекта я использовал конечно же </a:t>
+            </a:r>
+            <a:r>
+              <a:rPr lang="en-US" dirty="0" smtClean="0"/>
+              <a:t>PyQT5, </a:t>
+            </a:r>
+            <a:r>
+              <a:rPr lang="ru-RU" dirty="0" smtClean="0"/>
+              <a:t>куда без него</a:t>
+            </a:r>
+          </a:p>
+          <a:p>
+            <a:r>
+              <a:rPr lang="ru-RU" dirty="0" smtClean="0"/>
+              <a:t>Также основную работу выполняет </a:t>
+            </a:r>
+            <a:r>
+              <a:rPr lang="en-US" dirty="0" smtClean="0"/>
+              <a:t>Pillow – </a:t>
+            </a:r>
+            <a:r>
+              <a:rPr lang="ru-RU" dirty="0" smtClean="0"/>
+              <a:t>редактирует изображение</a:t>
+            </a:r>
+          </a:p>
+          <a:p>
+            <a:r>
+              <a:rPr lang="en-US" dirty="0" smtClean="0"/>
+              <a:t>Sqlite3 </a:t>
+            </a:r>
+            <a:r>
+              <a:rPr lang="ru-RU" dirty="0" smtClean="0"/>
+              <a:t>хранит данные о шаблоне в базе данных</a:t>
+            </a:r>
+          </a:p>
+          <a:p>
+            <a:r>
+              <a:rPr lang="en-US" dirty="0" smtClean="0"/>
+              <a:t>Win32clipboard – </a:t>
+            </a:r>
+            <a:r>
+              <a:rPr lang="ru-RU" dirty="0" smtClean="0"/>
+              <a:t>для сохранения картинки в буфер обмена</a:t>
+            </a:r>
+          </a:p>
+          <a:p>
+            <a:r>
+              <a:rPr lang="en-US" dirty="0" err="1" smtClean="0"/>
+              <a:t>Shutil</a:t>
+            </a:r>
+            <a:r>
+              <a:rPr lang="ru-RU" dirty="0" smtClean="0"/>
+              <a:t> – копирование файлов</a:t>
+            </a:r>
+            <a:endParaRPr lang="ru-RU" dirty="0"/>
+          </a:p>
+        </p:txBody>
+      </p:sp>
+    </p:spTree>
+    <p:extLst>
+      <p:ext uri="{BB962C8B-B14F-4D97-AF65-F5344CB8AC3E}">
+        <p14:creationId xmlns:p14="http://schemas.microsoft.com/office/powerpoint/2010/main" val="646239890"/>
+      </p:ext>
+    </p:extLst>
+  </p:cSld>
+  <p:clrMapOvr>
+    <a:masterClrMapping/>
+  </p:clrMapOvr>
+  <p:timing>
+    <p:tnLst>
+      <p:par>
+        <p:cTn id="1" dur="indefinite" restart="never" nodeType="tmRoot"/>
+      </p:par>
+    </p:tnLst>
+  </p:timing>
+</p:sld>
+</file>
+
+<file path=ppt/slides/slide9.xml><?xml version="1.0" encoding="utf-8"?>
+<p:sld xmlns:a="http://schemas.openxmlformats.org/drawingml/2006/main" xmlns:r="http://schemas.openxmlformats.org/officeDocument/2006/relationships" xmlns:p="http://schemas.openxmlformats.org/presentationml/2006/main">
+  <p:cSld>
+    <p:spTree>
+      <p:nvGrpSpPr>
+        <p:cNvPr id="1" name=""/>
+        <p:cNvGrpSpPr/>
+        <p:nvPr/>
+      </p:nvGrpSpPr>
+      <p:grpSpPr>
+        <a:xfrm>
+          <a:off x="0" y="0"/>
+          <a:ext cx="0" cy="0"/>
+          <a:chOff x="0" y="0"/>
+          <a:chExt cx="0" cy="0"/>
+        </a:xfrm>
+      </p:grpSpPr>
+      <p:sp>
+        <p:nvSpPr>
+          <p:cNvPr id="2" name="Заголовок 1"/>
+          <p:cNvSpPr>
+            <a:spLocks noGrp="1"/>
+          </p:cNvSpPr>
+          <p:nvPr>
+            <p:ph type="title"/>
+          </p:nvPr>
+        </p:nvSpPr>
+        <p:spPr/>
+        <p:txBody>
+          <a:bodyPr/>
+          <a:lstStyle/>
+          <a:p>
+            <a:endParaRPr lang="ru-RU" dirty="0"/>
+          </a:p>
+        </p:txBody>
+      </p:sp>
+      <p:pic>
+        <p:nvPicPr>
+          <p:cNvPr id="2050" name="Picture 2"/>
+          <p:cNvPicPr>
+            <a:picLocks noGrp="1" noChangeAspect="1" noChangeArrowheads="1"/>
+          </p:cNvPicPr>
+          <p:nvPr>
+            <p:ph idx="1"/>
+          </p:nvPr>
+        </p:nvPicPr>
+        <p:blipFill>
+          <a:blip r:embed="rId2">
+            <a:extLst>
+              <a:ext uri="{28A0092B-C50C-407E-A947-70E740481C1C}">
+                <a14:useLocalDpi xmlns:a14="http://schemas.microsoft.com/office/drawing/2010/main" val="0"/>
+              </a:ext>
+            </a:extLst>
+          </a:blip>
+          <a:srcRect/>
+          <a:stretch>
+            <a:fillRect/>
+          </a:stretch>
+        </p:blipFill>
+        <p:spPr bwMode="auto">
+          <a:xfrm>
+            <a:off x="251520" y="260648"/>
+            <a:ext cx="4320480" cy="4525963"/>
+          </a:xfrm>
+          <a:prstGeom prst="rect">
+            <a:avLst/>
+          </a:prstGeom>
+          <a:noFill/>
+          <a:ln>
+            <a:noFill/>
+          </a:ln>
+          <a:extLst>
+            <a:ext uri="{909E8E84-426E-40DD-AFC4-6F175D3DCCD1}">
+              <a14:hiddenFill xmlns:a14="http://schemas.microsoft.com/office/drawing/2010/main">
+                <a:solidFill>
+                  <a:schemeClr val="accent1"/>
+                </a:solidFill>
+              </a14:hiddenFill>
+            </a:ext>
+            <a:ext uri="{91240B29-F687-4F45-9708-019B960494DF}">
+              <a14:hiddenLine xmlns:a14="http://schemas.microsoft.com/office/drawing/2010/main" w="9525">
+                <a:solidFill>
+                  <a:schemeClr val="tx1"/>
+                </a:solidFill>
+                <a:miter lim="800000"/>
+                <a:headEnd/>
+                <a:tailEnd/>
+              </a14:hiddenLine>
+            </a:ext>
+          </a:extLst>
+        </p:spPr>
+      </p:pic>
+      <p:sp>
+        <p:nvSpPr>
+          <p:cNvPr id="4" name="TextBox 3"/>
+          <p:cNvSpPr txBox="1"/>
+          <p:nvPr/>
+        </p:nvSpPr>
+        <p:spPr>
+          <a:xfrm>
+            <a:off x="539552" y="5085184"/>
+            <a:ext cx="8352928" cy="646331"/>
+          </a:xfrm>
+          <a:prstGeom prst="rect">
+            <a:avLst/>
+          </a:prstGeom>
+          <a:noFill/>
+        </p:spPr>
+        <p:txBody>
+          <a:bodyPr wrap="square" rtlCol="0">
+            <a:spAutoFit/>
+          </a:bodyPr>
+          <a:lstStyle/>
+          <a:p>
+            <a:r>
+              <a:rPr lang="ru-RU" dirty="0" smtClean="0"/>
+              <a:t>Настройки каждого шаблона находятся в классе </a:t>
+            </a:r>
+            <a:r>
+              <a:rPr lang="en-US" dirty="0" smtClean="0"/>
+              <a:t>Pattern, </a:t>
+            </a:r>
+            <a:r>
+              <a:rPr lang="ru-RU" dirty="0" smtClean="0"/>
+              <a:t>и регистрируются при запуске приложения или изменения  базы данных</a:t>
+            </a:r>
+            <a:endParaRPr lang="ru-RU" dirty="0"/>
+          </a:p>
+        </p:txBody>
+      </p:sp>
+      <p:pic>
+        <p:nvPicPr>
+          <p:cNvPr id="2051" name="Picture 3"/>
+          <p:cNvPicPr>
+            <a:picLocks noChangeAspect="1" noChangeArrowheads="1"/>
+          </p:cNvPicPr>
+          <p:nvPr/>
+        </p:nvPicPr>
+        <p:blipFill>
+          <a:blip r:embed="rId3">
+            <a:extLst>
+              <a:ext uri="{28A0092B-C50C-407E-A947-70E740481C1C}">
+                <a14:useLocalDpi xmlns:a14="http://schemas.microsoft.com/office/drawing/2010/main" val="0"/>
+              </a:ext>
+            </a:extLst>
+          </a:blip>
+          <a:srcRect/>
+          <a:stretch>
+            <a:fillRect/>
+          </a:stretch>
+        </p:blipFill>
+        <p:spPr bwMode="auto">
+          <a:xfrm>
+            <a:off x="4572000" y="260648"/>
+            <a:ext cx="4427984" cy="4514850"/>
+          </a:xfrm>
+          <a:prstGeom prst="rect">
+            <a:avLst/>
+          </a:prstGeom>
+          <a:noFill/>
+          <a:ln>
+            <a:noFill/>
+          </a:ln>
+          <a:extLst>
+            <a:ext uri="{909E8E84-426E-40DD-AFC4-6F175D3DCCD1}">
+              <a14:hiddenFill xmlns:a14="http://schemas.microsoft.com/office/drawing/2010/main">
+                <a:solidFill>
+                  <a:schemeClr val="accent1"/>
+                </a:solidFill>
+              </a14:hiddenFill>
+            </a:ext>
+            <a:ext uri="{91240B29-F687-4F45-9708-019B960494DF}">
+              <a14:hiddenLine xmlns:a14="http://schemas.microsoft.com/office/drawing/2010/main" w="9525">
+                <a:solidFill>
+                  <a:schemeClr val="tx1"/>
+                </a:solidFill>
+                <a:miter lim="800000"/>
+                <a:headEnd/>
+                <a:tailEnd/>
+              </a14:hiddenLine>
+            </a:ext>
+          </a:extLst>
+        </p:spPr>
+      </p:pic>
+    </p:spTree>
+    <p:extLst>
+      <p:ext uri="{BB962C8B-B14F-4D97-AF65-F5344CB8AC3E}">
+        <p14:creationId xmlns:p14="http://schemas.microsoft.com/office/powerpoint/2010/main" val="1882161523"/>
+      </p:ext>
+    </p:extLst>
+  </p:cSld>
+  <p:clrMapOvr>
+    <a:masterClrMapping/>
+  </p:clrMapOvr>
+  <p:timing>
+    <p:tnLst>
+      <p:par>
+        <p:cTn id="1" dur="indefinite" restart="never" nodeType="tmRoot"/>
+      </p:par>
+    </p:tnLst>
+  </p:timing>
 </p:sld>
 </file>
 

--- a/PyQT_present.pptx
+++ b/PyQT_present.pptx
@@ -300,7 +300,7 @@
           <a:p>
             <a:fld id="{B4C71EC6-210F-42DE-9C53-41977AD35B3D}" type="datetimeFigureOut">
               <a:rPr lang="ru-RU" smtClean="0"/>
-              <a:t>13.11.2021</a:t>
+              <a:t>14.11.2021</a:t>
             </a:fld>
             <a:endParaRPr lang="ru-RU"/>
           </a:p>
@@ -465,7 +465,7 @@
           <a:p>
             <a:fld id="{B4C71EC6-210F-42DE-9C53-41977AD35B3D}" type="datetimeFigureOut">
               <a:rPr lang="ru-RU" smtClean="0"/>
-              <a:t>13.11.2021</a:t>
+              <a:t>14.11.2021</a:t>
             </a:fld>
             <a:endParaRPr lang="ru-RU"/>
           </a:p>
@@ -640,7 +640,7 @@
           <a:p>
             <a:fld id="{B4C71EC6-210F-42DE-9C53-41977AD35B3D}" type="datetimeFigureOut">
               <a:rPr lang="ru-RU" smtClean="0"/>
-              <a:t>13.11.2021</a:t>
+              <a:t>14.11.2021</a:t>
             </a:fld>
             <a:endParaRPr lang="ru-RU"/>
           </a:p>
@@ -805,7 +805,7 @@
           <a:p>
             <a:fld id="{B4C71EC6-210F-42DE-9C53-41977AD35B3D}" type="datetimeFigureOut">
               <a:rPr lang="ru-RU" smtClean="0"/>
-              <a:t>13.11.2021</a:t>
+              <a:t>14.11.2021</a:t>
             </a:fld>
             <a:endParaRPr lang="ru-RU"/>
           </a:p>
@@ -1046,7 +1046,7 @@
           <a:p>
             <a:fld id="{B4C71EC6-210F-42DE-9C53-41977AD35B3D}" type="datetimeFigureOut">
               <a:rPr lang="ru-RU" smtClean="0"/>
-              <a:t>13.11.2021</a:t>
+              <a:t>14.11.2021</a:t>
             </a:fld>
             <a:endParaRPr lang="ru-RU"/>
           </a:p>
@@ -1329,7 +1329,7 @@
           <a:p>
             <a:fld id="{B4C71EC6-210F-42DE-9C53-41977AD35B3D}" type="datetimeFigureOut">
               <a:rPr lang="ru-RU" smtClean="0"/>
-              <a:t>13.11.2021</a:t>
+              <a:t>14.11.2021</a:t>
             </a:fld>
             <a:endParaRPr lang="ru-RU"/>
           </a:p>
@@ -1746,7 +1746,7 @@
           <a:p>
             <a:fld id="{B4C71EC6-210F-42DE-9C53-41977AD35B3D}" type="datetimeFigureOut">
               <a:rPr lang="ru-RU" smtClean="0"/>
-              <a:t>13.11.2021</a:t>
+              <a:t>14.11.2021</a:t>
             </a:fld>
             <a:endParaRPr lang="ru-RU"/>
           </a:p>
@@ -1859,7 +1859,7 @@
           <a:p>
             <a:fld id="{B4C71EC6-210F-42DE-9C53-41977AD35B3D}" type="datetimeFigureOut">
               <a:rPr lang="ru-RU" smtClean="0"/>
-              <a:t>13.11.2021</a:t>
+              <a:t>14.11.2021</a:t>
             </a:fld>
             <a:endParaRPr lang="ru-RU"/>
           </a:p>
@@ -1949,7 +1949,7 @@
           <a:p>
             <a:fld id="{B4C71EC6-210F-42DE-9C53-41977AD35B3D}" type="datetimeFigureOut">
               <a:rPr lang="ru-RU" smtClean="0"/>
-              <a:t>13.11.2021</a:t>
+              <a:t>14.11.2021</a:t>
             </a:fld>
             <a:endParaRPr lang="ru-RU"/>
           </a:p>
@@ -2221,7 +2221,7 @@
           <a:p>
             <a:fld id="{B4C71EC6-210F-42DE-9C53-41977AD35B3D}" type="datetimeFigureOut">
               <a:rPr lang="ru-RU" smtClean="0"/>
-              <a:t>13.11.2021</a:t>
+              <a:t>14.11.2021</a:t>
             </a:fld>
             <a:endParaRPr lang="ru-RU"/>
           </a:p>
@@ -2469,7 +2469,7 @@
           <a:p>
             <a:fld id="{B4C71EC6-210F-42DE-9C53-41977AD35B3D}" type="datetimeFigureOut">
               <a:rPr lang="ru-RU" smtClean="0"/>
-              <a:t>13.11.2021</a:t>
+              <a:t>14.11.2021</a:t>
             </a:fld>
             <a:endParaRPr lang="ru-RU"/>
           </a:p>
@@ -2677,7 +2677,7 @@
           <a:p>
             <a:fld id="{B4C71EC6-210F-42DE-9C53-41977AD35B3D}" type="datetimeFigureOut">
               <a:rPr lang="ru-RU" smtClean="0"/>
-              <a:t>13.11.2021</a:t>
+              <a:t>14.11.2021</a:t>
             </a:fld>
             <a:endParaRPr lang="ru-RU"/>
           </a:p>
@@ -3741,11 +3741,7 @@
           <a:p>
             <a:r>
               <a:rPr lang="ru-RU" dirty="0" smtClean="0"/>
-              <a:t>Можете даже скопировать картинку в буфер обмена</a:t>
-            </a:r>
-            <a:r>
-              <a:rPr lang="ru-RU" dirty="0" smtClean="0"/>
-              <a:t>!</a:t>
+              <a:t>Можете даже скопировать картинку в буфер обмена!</a:t>
             </a:r>
             <a:endParaRPr lang="ru-RU" dirty="0"/>
           </a:p>
@@ -4071,15 +4067,140 @@
           </a:p>
         </p:txBody>
       </p:sp>
+      <p:sp>
+        <p:nvSpPr>
+          <p:cNvPr id="4" name="TextBox 3"/>
+          <p:cNvSpPr txBox="1"/>
+          <p:nvPr/>
+        </p:nvSpPr>
+        <p:spPr>
+          <a:xfrm>
+            <a:off x="4932040" y="1196752"/>
+            <a:ext cx="4139952" cy="5355312"/>
+          </a:xfrm>
+          <a:prstGeom prst="rect">
+            <a:avLst/>
+          </a:prstGeom>
+          <a:noFill/>
+        </p:spPr>
+        <p:txBody>
+          <a:bodyPr wrap="square" rtlCol="0">
+            <a:spAutoFit/>
+          </a:bodyPr>
+          <a:lstStyle/>
+          <a:p>
+            <a:r>
+              <a:rPr lang="ru-RU" dirty="0" smtClean="0"/>
+              <a:t>Разберем окно выбора шаблона. </a:t>
+            </a:r>
+          </a:p>
+          <a:p>
+            <a:pPr marL="285750" indent="-285750">
+              <a:buFont typeface="Arial" panose="020B0604020202020204" pitchFamily="34" charset="0"/>
+              <a:buChar char="•"/>
+            </a:pPr>
+            <a:r>
+              <a:rPr lang="ru-RU" dirty="0" smtClean="0"/>
+              <a:t>В нем вы можете листать существующие шаблоны. </a:t>
+            </a:r>
+          </a:p>
+          <a:p>
+            <a:pPr marL="285750" indent="-285750">
+              <a:buFont typeface="Arial" panose="020B0604020202020204" pitchFamily="34" charset="0"/>
+              <a:buChar char="•"/>
+            </a:pPr>
+            <a:r>
+              <a:rPr lang="ru-RU" dirty="0" smtClean="0"/>
+              <a:t>Есть 2 типа шаблонов: Базовые и Пользовательские. </a:t>
+            </a:r>
+          </a:p>
+          <a:p>
+            <a:pPr marL="285750" indent="-285750">
+              <a:buFont typeface="Arial" panose="020B0604020202020204" pitchFamily="34" charset="0"/>
+              <a:buChar char="•"/>
+            </a:pPr>
+            <a:r>
+              <a:rPr lang="ru-RU" dirty="0" smtClean="0"/>
+              <a:t>Базовые прописаны в самой программе и не могут быть удалены (но вы всё ещё можете их изменить)</a:t>
+            </a:r>
+          </a:p>
+          <a:p>
+            <a:pPr marL="285750" indent="-285750">
+              <a:buFont typeface="Arial" panose="020B0604020202020204" pitchFamily="34" charset="0"/>
+              <a:buChar char="•"/>
+            </a:pPr>
+            <a:r>
+              <a:rPr lang="ru-RU" dirty="0" smtClean="0"/>
+              <a:t>Пользовательские создаются с помощью кнопки создать и небольшого помощника создания шаблонов. Также они могут быть полностью изменены и удалены</a:t>
+            </a:r>
+          </a:p>
+          <a:p>
+            <a:pPr marL="285750" indent="-285750">
+              <a:buFont typeface="Arial" panose="020B0604020202020204" pitchFamily="34" charset="0"/>
+              <a:buChar char="•"/>
+            </a:pPr>
+            <a:r>
+              <a:rPr lang="ru-RU" dirty="0" smtClean="0"/>
+              <a:t>Все шаблоны хранятся в виде данных в базе данных формата </a:t>
+            </a:r>
+            <a:r>
+              <a:rPr lang="en-US" dirty="0" err="1" smtClean="0"/>
+              <a:t>sqlite</a:t>
+            </a:r>
+            <a:r>
+              <a:rPr lang="en-US" dirty="0" smtClean="0"/>
+              <a:t> 3</a:t>
+            </a:r>
+          </a:p>
+          <a:p>
+            <a:pPr marL="285750" indent="-285750">
+              <a:buFont typeface="Arial" panose="020B0604020202020204" pitchFamily="34" charset="0"/>
+              <a:buChar char="•"/>
+            </a:pPr>
+            <a:r>
+              <a:rPr lang="ru-RU" dirty="0" smtClean="0"/>
+              <a:t>Также есть кнопки управления фоновым цветом</a:t>
+            </a:r>
+          </a:p>
+          <a:p>
+            <a:pPr marL="285750" indent="-285750">
+              <a:buFont typeface="Arial" panose="020B0604020202020204" pitchFamily="34" charset="0"/>
+              <a:buChar char="•"/>
+            </a:pPr>
+            <a:r>
+              <a:rPr lang="ru-RU" dirty="0" smtClean="0"/>
+              <a:t>Кнопки изменить, создать и удалить отвечают за работу с шаблоном</a:t>
+            </a:r>
+            <a:endParaRPr lang="ru-RU" dirty="0"/>
+          </a:p>
+        </p:txBody>
+      </p:sp>
+      <p:sp>
+        <p:nvSpPr>
+          <p:cNvPr id="3" name="Объект 2"/>
+          <p:cNvSpPr>
+            <a:spLocks noGrp="1"/>
+          </p:cNvSpPr>
+          <p:nvPr>
+            <p:ph idx="1"/>
+          </p:nvPr>
+        </p:nvSpPr>
+        <p:spPr/>
+        <p:txBody>
+          <a:bodyPr/>
+          <a:lstStyle/>
+          <a:p>
+            <a:endParaRPr lang="ru-RU"/>
+          </a:p>
+        </p:txBody>
+      </p:sp>
       <p:pic>
         <p:nvPicPr>
-          <p:cNvPr id="2050" name="Picture 2"/>
+          <p:cNvPr id="1026" name="Picture 2"/>
           <p:cNvPicPr>
-            <a:picLocks noGrp="1" noChangeAspect="1" noChangeArrowheads="1"/>
+            <a:picLocks noChangeAspect="1" noChangeArrowheads="1"/>
           </p:cNvPicPr>
-          <p:nvPr>
-            <p:ph idx="1"/>
-          </p:nvPr>
+          <p:nvPr/>
         </p:nvPicPr>
         <p:blipFill>
           <a:blip r:embed="rId2">
@@ -4096,8 +4217,8 @@
         </p:blipFill>
         <p:spPr bwMode="auto">
           <a:xfrm>
-            <a:off x="611560" y="1196753"/>
-            <a:ext cx="4367188" cy="3672408"/>
+            <a:off x="395536" y="1196752"/>
+            <a:ext cx="4536504" cy="3829516"/>
           </a:xfrm>
           <a:prstGeom prst="rect">
             <a:avLst/>
@@ -4127,126 +4248,6 @@
           </a:extLst>
         </p:spPr>
       </p:pic>
-      <p:sp>
-        <p:nvSpPr>
-          <p:cNvPr id="4" name="TextBox 3"/>
-          <p:cNvSpPr txBox="1"/>
-          <p:nvPr/>
-        </p:nvSpPr>
-        <p:spPr>
-          <a:xfrm>
-            <a:off x="4932040" y="1196752"/>
-            <a:ext cx="4139952" cy="5355312"/>
-          </a:xfrm>
-          <a:prstGeom prst="rect">
-            <a:avLst/>
-          </a:prstGeom>
-          <a:noFill/>
-        </p:spPr>
-        <p:txBody>
-          <a:bodyPr wrap="square" rtlCol="0">
-            <a:spAutoFit/>
-          </a:bodyPr>
-          <a:lstStyle/>
-          <a:p>
-            <a:r>
-              <a:rPr lang="ru-RU" dirty="0" smtClean="0"/>
-              <a:t>Разберем окно выбора шаблона. </a:t>
-            </a:r>
-          </a:p>
-          <a:p>
-            <a:pPr marL="285750" indent="-285750">
-              <a:buFont typeface="Arial" panose="020B0604020202020204" pitchFamily="34" charset="0"/>
-              <a:buChar char="•"/>
-            </a:pPr>
-            <a:r>
-              <a:rPr lang="ru-RU" dirty="0" smtClean="0"/>
-              <a:t>В нем вы можете листать существующие шаблоны. </a:t>
-            </a:r>
-          </a:p>
-          <a:p>
-            <a:pPr marL="285750" indent="-285750">
-              <a:buFont typeface="Arial" panose="020B0604020202020204" pitchFamily="34" charset="0"/>
-              <a:buChar char="•"/>
-            </a:pPr>
-            <a:r>
-              <a:rPr lang="ru-RU" dirty="0" smtClean="0"/>
-              <a:t>Есть 2 типа шаблонов: Базовые и Пользовательские. </a:t>
-            </a:r>
-          </a:p>
-          <a:p>
-            <a:pPr marL="285750" indent="-285750">
-              <a:buFont typeface="Arial" panose="020B0604020202020204" pitchFamily="34" charset="0"/>
-              <a:buChar char="•"/>
-            </a:pPr>
-            <a:r>
-              <a:rPr lang="ru-RU" dirty="0" smtClean="0"/>
-              <a:t>Базовые прописаны в самой программе и не могут быть удалены (но вы всё ещё можете их изменить)</a:t>
-            </a:r>
-          </a:p>
-          <a:p>
-            <a:pPr marL="285750" indent="-285750">
-              <a:buFont typeface="Arial" panose="020B0604020202020204" pitchFamily="34" charset="0"/>
-              <a:buChar char="•"/>
-            </a:pPr>
-            <a:r>
-              <a:rPr lang="ru-RU" dirty="0" smtClean="0"/>
-              <a:t>Пользовательские создаются с помощью кнопки создать и небольшого помощника создания шаблонов. Также они могут быть полностью изменены и </a:t>
-            </a:r>
-            <a:r>
-              <a:rPr lang="ru-RU" dirty="0" smtClean="0"/>
-              <a:t>удалены</a:t>
-            </a:r>
-          </a:p>
-          <a:p>
-            <a:pPr marL="285750" indent="-285750">
-              <a:buFont typeface="Arial" panose="020B0604020202020204" pitchFamily="34" charset="0"/>
-              <a:buChar char="•"/>
-            </a:pPr>
-            <a:r>
-              <a:rPr lang="ru-RU" dirty="0" smtClean="0"/>
-              <a:t>Все </a:t>
-            </a:r>
-            <a:r>
-              <a:rPr lang="ru-RU" dirty="0" smtClean="0"/>
-              <a:t>шаблоны хранятся в виде данных в базе данных формата </a:t>
-            </a:r>
-            <a:r>
-              <a:rPr lang="en-US" dirty="0" err="1" smtClean="0"/>
-              <a:t>sqlite</a:t>
-            </a:r>
-            <a:r>
-              <a:rPr lang="en-US" dirty="0" smtClean="0"/>
-              <a:t> 3</a:t>
-            </a:r>
-          </a:p>
-          <a:p>
-            <a:pPr marL="285750" indent="-285750">
-              <a:buFont typeface="Arial" panose="020B0604020202020204" pitchFamily="34" charset="0"/>
-              <a:buChar char="•"/>
-            </a:pPr>
-            <a:r>
-              <a:rPr lang="ru-RU" dirty="0" smtClean="0"/>
-              <a:t>Также есть кнопки управления фоновым </a:t>
-            </a:r>
-            <a:r>
-              <a:rPr lang="ru-RU" dirty="0" smtClean="0"/>
-              <a:t>цветом</a:t>
-            </a:r>
-          </a:p>
-          <a:p>
-            <a:pPr marL="285750" indent="-285750">
-              <a:buFont typeface="Arial" panose="020B0604020202020204" pitchFamily="34" charset="0"/>
-              <a:buChar char="•"/>
-            </a:pPr>
-            <a:r>
-              <a:rPr lang="ru-RU" dirty="0" smtClean="0"/>
-              <a:t>Кнопки изменить, создать и удалить отвечают за работу с шаблоном</a:t>
-            </a:r>
-            <a:endParaRPr lang="ru-RU" dirty="0"/>
-          </a:p>
-        </p:txBody>
-      </p:sp>
     </p:spTree>
     <p:extLst>
       <p:ext uri="{BB962C8B-B14F-4D97-AF65-F5344CB8AC3E}">
@@ -4740,15 +4741,7 @@
             </a:r>
             <a:r>
               <a:rPr lang="ru-RU" dirty="0" smtClean="0"/>
-              <a:t> </a:t>
-            </a:r>
-            <a:r>
-              <a:rPr lang="ru-RU" dirty="0" smtClean="0"/>
-              <a:t>3 </a:t>
-            </a:r>
-            <a:r>
-              <a:rPr lang="ru-RU" dirty="0" smtClean="0"/>
-              <a:t>путями:</a:t>
+              <a:t> 3 путями:</a:t>
             </a:r>
           </a:p>
           <a:p>
@@ -4842,11 +4835,7 @@
             </a:r>
             <a:r>
               <a:rPr lang="ru-RU" dirty="0" smtClean="0"/>
-              <a:t>   </a:t>
-            </a:r>
-            <a:r>
-              <a:rPr lang="ru-RU" dirty="0" smtClean="0"/>
-              <a:t>способом</a:t>
+              <a:t>   способом</a:t>
             </a:r>
           </a:p>
           <a:p>
